--- a/تحليل بيانات الحج والعمرة/تطبيق نُسُك/تقرير تطبيق نُسُك لعاميّ ١٤٤٣-١٤٤٤هـ.pptx
+++ b/تحليل بيانات الحج والعمرة/تطبيق نُسُك/تقرير تطبيق نُسُك لعاميّ ١٤٤٣-١٤٤٤هـ.pptx
@@ -11,11 +11,11 @@
     <p:sldId id="256" r:id="rId2"/>
     <p:sldId id="257" r:id="rId3"/>
     <p:sldId id="263" r:id="rId4"/>
-    <p:sldId id="262" r:id="rId5"/>
-    <p:sldId id="259" r:id="rId6"/>
-    <p:sldId id="260" r:id="rId7"/>
-    <p:sldId id="258" r:id="rId8"/>
-    <p:sldId id="261" r:id="rId9"/>
+    <p:sldId id="259" r:id="rId5"/>
+    <p:sldId id="260" r:id="rId6"/>
+    <p:sldId id="258" r:id="rId7"/>
+    <p:sldId id="261" r:id="rId8"/>
+    <p:sldId id="264" r:id="rId9"/>
   </p:sldIdLst>
   <p:sldSz cx="12192000" cy="6858000"/>
   <p:notesSz cx="6858000" cy="9144000"/>
@@ -1082,7 +1082,7 @@
   </mc:AlternateContent>
   <c:pivotSource>
     <c:name>[عدد مستخدمين تطبيق نُسُك ١٤٤٤٣-١٤٤٤هـ.xlsx] على حسب السنة والعمر!PivotTable1</c:name>
-    <c:fmtId val="4"/>
+    <c:fmtId val="10"/>
   </c:pivotSource>
   <c:chart>
     <c:title>
@@ -1403,22 +1403,6 @@
               </c:ext>
             </c:extLst>
           </c:dLbls>
-          <c:trendline>
-            <c:spPr>
-              <a:ln w="19050" cap="rnd">
-                <a:solidFill>
-                  <a:schemeClr val="accent4"/>
-                </a:solidFill>
-                <a:prstDash val="solid"/>
-                <a:round/>
-                <a:tailEnd type="stealth"/>
-              </a:ln>
-              <a:effectLst/>
-            </c:spPr>
-            <c:trendlineType val="linear"/>
-            <c:dispRSqr val="0"/>
-            <c:dispEq val="0"/>
-          </c:trendline>
           <c:cat>
             <c:strRef>
               <c:f>' على حسب السنة والعمر'!$A$76:$A$78</c:f>
@@ -1450,7 +1434,7 @@
           </c:val>
           <c:extLst>
             <c:ext xmlns:c16="http://schemas.microsoft.com/office/drawing/2014/chart" uri="{C3380CC4-5D6E-409C-BE32-E72D297353CC}">
-              <c16:uniqueId val="{00000001-E785-9D4E-97B8-BEF2A8107E2B}"/>
+              <c16:uniqueId val="{00000000-975E-764E-99DF-A73C286087B2}"/>
             </c:ext>
           </c:extLst>
         </c:ser>
@@ -1474,61 +1458,6 @@
         </c:scaling>
         <c:delete val="0"/>
         <c:axPos val="b"/>
-        <c:title>
-          <c:tx>
-            <c:rich>
-              <a:bodyPr rot="0" spcFirstLastPara="1" vertOverflow="ellipsis" vert="horz" wrap="square" anchor="ctr" anchorCtr="1"/>
-              <a:lstStyle/>
-              <a:p>
-                <a:pPr>
-                  <a:defRPr sz="1000" b="0" i="0" u="none" strike="noStrike" kern="1200" baseline="0">
-                    <a:solidFill>
-                      <a:schemeClr val="tx1">
-                        <a:lumMod val="65000"/>
-                        <a:lumOff val="35000"/>
-                      </a:schemeClr>
-                    </a:solidFill>
-                    <a:latin typeface="+mn-lt"/>
-                    <a:ea typeface="+mn-ea"/>
-                    <a:cs typeface="+mn-cs"/>
-                  </a:defRPr>
-                </a:pPr>
-                <a:r>
-                  <a:rPr lang="ar-SA"/>
-                  <a:t>السنة</a:t>
-                </a:r>
-              </a:p>
-            </c:rich>
-          </c:tx>
-          <c:overlay val="0"/>
-          <c:spPr>
-            <a:noFill/>
-            <a:ln>
-              <a:noFill/>
-            </a:ln>
-            <a:effectLst/>
-          </c:spPr>
-          <c:txPr>
-            <a:bodyPr rot="0" spcFirstLastPara="1" vertOverflow="ellipsis" vert="horz" wrap="square" anchor="ctr" anchorCtr="1"/>
-            <a:lstStyle/>
-            <a:p>
-              <a:pPr>
-                <a:defRPr sz="1000" b="0" i="0" u="none" strike="noStrike" kern="1200" baseline="0">
-                  <a:solidFill>
-                    <a:schemeClr val="tx1">
-                      <a:lumMod val="65000"/>
-                      <a:lumOff val="35000"/>
-                    </a:schemeClr>
-                  </a:solidFill>
-                  <a:latin typeface="+mn-lt"/>
-                  <a:ea typeface="+mn-ea"/>
-                  <a:cs typeface="+mn-cs"/>
-                </a:defRPr>
-              </a:pPr>
-              <a:endParaRPr lang="ar-SA"/>
-            </a:p>
-          </c:txPr>
-        </c:title>
         <c:numFmt formatCode="General" sourceLinked="1"/>
         <c:majorTickMark val="none"/>
         <c:minorTickMark val="none"/>
@@ -1580,20 +1509,6 @@
         </c:scaling>
         <c:delete val="0"/>
         <c:axPos val="r"/>
-        <c:majorGridlines>
-          <c:spPr>
-            <a:ln w="9525" cap="flat" cmpd="sng" algn="ctr">
-              <a:solidFill>
-                <a:schemeClr val="tx1">
-                  <a:lumMod val="15000"/>
-                  <a:lumOff val="85000"/>
-                </a:schemeClr>
-              </a:solidFill>
-              <a:round/>
-            </a:ln>
-            <a:effectLst/>
-          </c:spPr>
-        </c:majorGridlines>
         <c:title>
           <c:tx>
             <c:rich>
@@ -1615,7 +1530,7 @@
                 </a:pPr>
                 <a:r>
                   <a:rPr lang="ar-SA"/>
-                  <a:t>عدد مستخدمين التطبيق</a:t>
+                  <a:t>المستخدمين</a:t>
                 </a:r>
               </a:p>
             </c:rich>
@@ -1684,10 +1599,42 @@
         <c:crosses val="autoZero"/>
         <c:crossBetween val="between"/>
         <c:majorUnit val="500000"/>
+        <c:dispUnits>
+          <c:builtInUnit val="thousands"/>
+          <c:dispUnitsLbl>
+            <c:spPr>
+              <a:noFill/>
+              <a:ln>
+                <a:noFill/>
+              </a:ln>
+              <a:effectLst/>
+            </c:spPr>
+            <c:txPr>
+              <a:bodyPr rot="-5400000" spcFirstLastPara="1" vertOverflow="ellipsis" vert="horz" wrap="square" anchor="ctr" anchorCtr="1"/>
+              <a:lstStyle/>
+              <a:p>
+                <a:pPr>
+                  <a:defRPr sz="1000" b="0" i="0" u="none" strike="noStrike" kern="1200" baseline="0">
+                    <a:solidFill>
+                      <a:schemeClr val="tx1">
+                        <a:lumMod val="65000"/>
+                        <a:lumOff val="35000"/>
+                      </a:schemeClr>
+                    </a:solidFill>
+                    <a:latin typeface="+mn-lt"/>
+                    <a:ea typeface="+mn-ea"/>
+                    <a:cs typeface="+mn-cs"/>
+                  </a:defRPr>
+                </a:pPr>
+                <a:endParaRPr lang="ar-SA"/>
+              </a:p>
+            </c:txPr>
+          </c:dispUnitsLbl>
+        </c:dispUnits>
       </c:valAx>
       <c:spPr>
         <a:noFill/>
-        <a:ln>
+        <a:ln w="25400">
           <a:noFill/>
         </a:ln>
         <a:effectLst/>
@@ -1757,7 +1704,7 @@
   </mc:AlternateContent>
   <c:pivotSource>
     <c:name>[عدد مستخدمين تطبيق نُسُك ١٤٤٤٣-١٤٤٤هـ.xlsx]التغير بين السنتين!PivotTable14</c:name>
-    <c:fmtId val="6"/>
+    <c:fmtId val="12"/>
   </c:pivotSource>
   <c:chart>
     <c:title>
@@ -1800,6 +1747,14 @@
           </a:p>
         </c:rich>
       </c:tx>
+      <c:layout>
+        <c:manualLayout>
+          <c:xMode val="edge"/>
+          <c:yMode val="edge"/>
+          <c:x val="0.22997294020347039"/>
+          <c:y val="1.7580028349526031E-2"/>
+        </c:manualLayout>
+      </c:layout>
       <c:overlay val="0"/>
       <c:spPr>
         <a:noFill/>
@@ -2359,7 +2314,7 @@
           </c:val>
           <c:extLst>
             <c:ext xmlns:c16="http://schemas.microsoft.com/office/drawing/2014/chart" uri="{C3380CC4-5D6E-409C-BE32-E72D297353CC}">
-              <c16:uniqueId val="{00000000-DA2A-1148-A582-16A6592DF783}"/>
+              <c16:uniqueId val="{00000000-7D76-3342-8682-80DCEC9F870A}"/>
             </c:ext>
           </c:extLst>
         </c:ser>
@@ -2478,7 +2433,7 @@
           </c:val>
           <c:extLst>
             <c:ext xmlns:c16="http://schemas.microsoft.com/office/drawing/2014/chart" uri="{C3380CC4-5D6E-409C-BE32-E72D297353CC}">
-              <c16:uniqueId val="{00000001-DA2A-1148-A582-16A6592DF783}"/>
+              <c16:uniqueId val="{00000001-7D76-3342-8682-80DCEC9F870A}"/>
             </c:ext>
           </c:extLst>
         </c:ser>
@@ -2612,20 +2567,6 @@
         </c:scaling>
         <c:delete val="0"/>
         <c:axPos val="r"/>
-        <c:majorGridlines>
-          <c:spPr>
-            <a:ln w="9525" cap="flat" cmpd="sng" algn="ctr">
-              <a:solidFill>
-                <a:schemeClr val="tx1">
-                  <a:lumMod val="15000"/>
-                  <a:lumOff val="85000"/>
-                </a:schemeClr>
-              </a:solidFill>
-              <a:round/>
-            </a:ln>
-            <a:effectLst/>
-          </c:spPr>
-        </c:majorGridlines>
         <c:title>
           <c:tx>
             <c:rich>
@@ -2647,7 +2588,7 @@
                 </a:pPr>
                 <a:r>
                   <a:rPr lang="ar-SA"/>
-                  <a:t>عدد مستخديمن التطبيق</a:t>
+                  <a:t>المستخدمين</a:t>
                 </a:r>
               </a:p>
             </c:rich>
@@ -2820,7 +2761,7 @@
   </mc:AlternateContent>
   <c:pivotSource>
     <c:name>[عدد مستخدمين تطبيق نُسُك ١٤٤٤٣-١٤٤٤هـ.xlsx] على حسب السنة والعمر!PivotTable5</c:name>
-    <c:fmtId val="9"/>
+    <c:fmtId val="17"/>
   </c:pivotSource>
   <c:chart>
     <c:title>
@@ -2901,47 +2842,6 @@
         <c:marker>
           <c:symbol val="none"/>
         </c:marker>
-        <c:dLbl>
-          <c:idx val="0"/>
-          <c:spPr>
-            <a:noFill/>
-            <a:ln>
-              <a:noFill/>
-            </a:ln>
-            <a:effectLst/>
-          </c:spPr>
-          <c:txPr>
-            <a:bodyPr rot="0" spcFirstLastPara="1" vertOverflow="ellipsis" vert="horz" wrap="square" lIns="38100" tIns="19050" rIns="38100" bIns="19050" anchor="ctr" anchorCtr="1">
-              <a:spAutoFit/>
-            </a:bodyPr>
-            <a:lstStyle/>
-            <a:p>
-              <a:pPr>
-                <a:defRPr sz="900" b="0" i="0" u="none" strike="noStrike" kern="1200" baseline="0">
-                  <a:solidFill>
-                    <a:schemeClr val="tx1">
-                      <a:lumMod val="75000"/>
-                      <a:lumOff val="25000"/>
-                    </a:schemeClr>
-                  </a:solidFill>
-                  <a:latin typeface="+mn-lt"/>
-                  <a:ea typeface="+mn-ea"/>
-                  <a:cs typeface="+mn-cs"/>
-                </a:defRPr>
-              </a:pPr>
-              <a:endParaRPr lang="ar-SA"/>
-            </a:p>
-          </c:txPr>
-          <c:showLegendKey val="0"/>
-          <c:showVal val="0"/>
-          <c:showCatName val="0"/>
-          <c:showSerName val="0"/>
-          <c:showPercent val="0"/>
-          <c:showBubbleSize val="0"/>
-          <c:extLst>
-            <c:ext xmlns:c15="http://schemas.microsoft.com/office/drawing/2012/chart" uri="{CE6537A1-D6FC-4f65-9D91-7224C49458BB}"/>
-          </c:extLst>
-        </c:dLbl>
       </c:pivotFmt>
       <c:pivotFmt>
         <c:idx val="1"/>
@@ -2957,47 +2857,6 @@
         <c:marker>
           <c:symbol val="none"/>
         </c:marker>
-        <c:dLbl>
-          <c:idx val="0"/>
-          <c:spPr>
-            <a:noFill/>
-            <a:ln>
-              <a:noFill/>
-            </a:ln>
-            <a:effectLst/>
-          </c:spPr>
-          <c:txPr>
-            <a:bodyPr rot="0" spcFirstLastPara="1" vertOverflow="ellipsis" vert="horz" wrap="square" lIns="38100" tIns="19050" rIns="38100" bIns="19050" anchor="ctr" anchorCtr="1">
-              <a:spAutoFit/>
-            </a:bodyPr>
-            <a:lstStyle/>
-            <a:p>
-              <a:pPr>
-                <a:defRPr sz="900" b="0" i="0" u="none" strike="noStrike" kern="1200" baseline="0">
-                  <a:solidFill>
-                    <a:schemeClr val="tx1">
-                      <a:lumMod val="75000"/>
-                      <a:lumOff val="25000"/>
-                    </a:schemeClr>
-                  </a:solidFill>
-                  <a:latin typeface="+mn-lt"/>
-                  <a:ea typeface="+mn-ea"/>
-                  <a:cs typeface="+mn-cs"/>
-                </a:defRPr>
-              </a:pPr>
-              <a:endParaRPr lang="ar-SA"/>
-            </a:p>
-          </c:txPr>
-          <c:showLegendKey val="0"/>
-          <c:showVal val="0"/>
-          <c:showCatName val="0"/>
-          <c:showSerName val="0"/>
-          <c:showPercent val="0"/>
-          <c:showBubbleSize val="0"/>
-          <c:extLst>
-            <c:ext xmlns:c15="http://schemas.microsoft.com/office/drawing/2012/chart" uri="{CE6537A1-D6FC-4f65-9D91-7224C49458BB}"/>
-          </c:extLst>
-        </c:dLbl>
       </c:pivotFmt>
       <c:pivotFmt>
         <c:idx val="2"/>
@@ -3228,7 +3087,7 @@
       <c:layout/>
       <c:barChart>
         <c:barDir val="col"/>
-        <c:grouping val="stacked"/>
+        <c:grouping val="clustered"/>
         <c:varyColors val="0"/>
         <c:ser>
           <c:idx val="0"/>
@@ -3260,37 +3119,37 @@
               <c:strCache>
                 <c:ptCount val="11"/>
                 <c:pt idx="0">
+                  <c:v>50- 59</c:v>
+                </c:pt>
+                <c:pt idx="1">
+                  <c:v>30- 39</c:v>
+                </c:pt>
+                <c:pt idx="2">
+                  <c:v>40- 49</c:v>
+                </c:pt>
+                <c:pt idx="3">
+                  <c:v>60- 69</c:v>
+                </c:pt>
+                <c:pt idx="4">
+                  <c:v>20- 29</c:v>
+                </c:pt>
+                <c:pt idx="5">
+                  <c:v>10- 19</c:v>
+                </c:pt>
+                <c:pt idx="6">
+                  <c:v>70- 79</c:v>
+                </c:pt>
+                <c:pt idx="7">
                   <c:v>0 - 9</c:v>
                 </c:pt>
-                <c:pt idx="1">
-                  <c:v>10- 19</c:v>
-                </c:pt>
-                <c:pt idx="2">
-                  <c:v>100 فأكثر</c:v>
-                </c:pt>
-                <c:pt idx="3">
-                  <c:v>20- 29</c:v>
-                </c:pt>
-                <c:pt idx="4">
-                  <c:v>30- 39</c:v>
-                </c:pt>
-                <c:pt idx="5">
-                  <c:v>40- 49</c:v>
-                </c:pt>
-                <c:pt idx="6">
-                  <c:v>50- 59</c:v>
-                </c:pt>
-                <c:pt idx="7">
-                  <c:v>60- 69</c:v>
-                </c:pt>
                 <c:pt idx="8">
-                  <c:v>70- 79</c:v>
+                  <c:v>80- 89</c:v>
                 </c:pt>
                 <c:pt idx="9">
-                  <c:v>80- 89</c:v>
+                  <c:v>90- 99</c:v>
                 </c:pt>
                 <c:pt idx="10">
-                  <c:v>90- 99</c:v>
+                  <c:v>100 فأكثر</c:v>
                 </c:pt>
               </c:strCache>
             </c:strRef>
@@ -3302,44 +3161,44 @@
                 <c:formatCode>_-* #,##0_-;\-* #,##0_-;_-* "-"??_-;_-@_-</c:formatCode>
                 <c:ptCount val="11"/>
                 <c:pt idx="0">
+                  <c:v>1923689</c:v>
+                </c:pt>
+                <c:pt idx="1">
+                  <c:v>4005484</c:v>
+                </c:pt>
+                <c:pt idx="2">
+                  <c:v>2731972</c:v>
+                </c:pt>
+                <c:pt idx="3">
+                  <c:v>1133168</c:v>
+                </c:pt>
+                <c:pt idx="4">
+                  <c:v>3583229</c:v>
+                </c:pt>
+                <c:pt idx="5">
+                  <c:v>2175246</c:v>
+                </c:pt>
+                <c:pt idx="6">
+                  <c:v>302396</c:v>
+                </c:pt>
+                <c:pt idx="7">
                   <c:v>307081</c:v>
                 </c:pt>
-                <c:pt idx="1">
-                  <c:v>2175246</c:v>
-                </c:pt>
-                <c:pt idx="2">
-                  <c:v>2115</c:v>
-                </c:pt>
-                <c:pt idx="3">
-                  <c:v>3583229</c:v>
-                </c:pt>
-                <c:pt idx="4">
-                  <c:v>4005484</c:v>
-                </c:pt>
-                <c:pt idx="5">
-                  <c:v>2731972</c:v>
-                </c:pt>
-                <c:pt idx="6">
-                  <c:v>1923689</c:v>
-                </c:pt>
-                <c:pt idx="7">
-                  <c:v>1133168</c:v>
-                </c:pt>
                 <c:pt idx="8">
-                  <c:v>302396</c:v>
+                  <c:v>62091</c:v>
                 </c:pt>
                 <c:pt idx="9">
-                  <c:v>62091</c:v>
+                  <c:v>7185</c:v>
                 </c:pt>
                 <c:pt idx="10">
-                  <c:v>7185</c:v>
+                  <c:v>2115</c:v>
                 </c:pt>
               </c:numCache>
             </c:numRef>
           </c:val>
           <c:extLst>
             <c:ext xmlns:c16="http://schemas.microsoft.com/office/drawing/2014/chart" uri="{C3380CC4-5D6E-409C-BE32-E72D297353CC}">
-              <c16:uniqueId val="{00000000-FF57-454E-93FD-60C38CDFE2DE}"/>
+              <c16:uniqueId val="{00000000-AD06-8D49-8318-9D312FF1DC8E}"/>
             </c:ext>
           </c:extLst>
         </c:ser>
@@ -3373,37 +3232,37 @@
               <c:strCache>
                 <c:ptCount val="11"/>
                 <c:pt idx="0">
+                  <c:v>50- 59</c:v>
+                </c:pt>
+                <c:pt idx="1">
+                  <c:v>30- 39</c:v>
+                </c:pt>
+                <c:pt idx="2">
+                  <c:v>40- 49</c:v>
+                </c:pt>
+                <c:pt idx="3">
+                  <c:v>60- 69</c:v>
+                </c:pt>
+                <c:pt idx="4">
+                  <c:v>20- 29</c:v>
+                </c:pt>
+                <c:pt idx="5">
+                  <c:v>10- 19</c:v>
+                </c:pt>
+                <c:pt idx="6">
+                  <c:v>70- 79</c:v>
+                </c:pt>
+                <c:pt idx="7">
                   <c:v>0 - 9</c:v>
                 </c:pt>
-                <c:pt idx="1">
-                  <c:v>10- 19</c:v>
-                </c:pt>
-                <c:pt idx="2">
-                  <c:v>100 فأكثر</c:v>
-                </c:pt>
-                <c:pt idx="3">
-                  <c:v>20- 29</c:v>
-                </c:pt>
-                <c:pt idx="4">
-                  <c:v>30- 39</c:v>
-                </c:pt>
-                <c:pt idx="5">
-                  <c:v>40- 49</c:v>
-                </c:pt>
-                <c:pt idx="6">
-                  <c:v>50- 59</c:v>
-                </c:pt>
-                <c:pt idx="7">
-                  <c:v>60- 69</c:v>
-                </c:pt>
                 <c:pt idx="8">
-                  <c:v>70- 79</c:v>
+                  <c:v>80- 89</c:v>
                 </c:pt>
                 <c:pt idx="9">
-                  <c:v>80- 89</c:v>
+                  <c:v>90- 99</c:v>
                 </c:pt>
                 <c:pt idx="10">
-                  <c:v>90- 99</c:v>
+                  <c:v>100 فأكثر</c:v>
                 </c:pt>
               </c:strCache>
             </c:strRef>
@@ -3415,44 +3274,44 @@
                 <c:formatCode>_-* #,##0_-;\-* #,##0_-;_-* "-"??_-;_-@_-</c:formatCode>
                 <c:ptCount val="11"/>
                 <c:pt idx="0">
+                  <c:v>2767237</c:v>
+                </c:pt>
+                <c:pt idx="1">
+                  <c:v>2699279</c:v>
+                </c:pt>
+                <c:pt idx="2">
+                  <c:v>2577676</c:v>
+                </c:pt>
+                <c:pt idx="3">
+                  <c:v>2503807</c:v>
+                </c:pt>
+                <c:pt idx="4">
+                  <c:v>2137880</c:v>
+                </c:pt>
+                <c:pt idx="5">
+                  <c:v>1137302</c:v>
+                </c:pt>
+                <c:pt idx="6">
+                  <c:v>919844</c:v>
+                </c:pt>
+                <c:pt idx="7">
                   <c:v>573919</c:v>
                 </c:pt>
-                <c:pt idx="1">
-                  <c:v>1137302</c:v>
-                </c:pt>
-                <c:pt idx="2">
-                  <c:v>2470</c:v>
-                </c:pt>
-                <c:pt idx="3">
-                  <c:v>2137880</c:v>
-                </c:pt>
-                <c:pt idx="4">
-                  <c:v>2699279</c:v>
-                </c:pt>
-                <c:pt idx="5">
-                  <c:v>2577676</c:v>
-                </c:pt>
-                <c:pt idx="6">
-                  <c:v>2767237</c:v>
-                </c:pt>
-                <c:pt idx="7">
-                  <c:v>2503807</c:v>
-                </c:pt>
                 <c:pt idx="8">
-                  <c:v>919844</c:v>
+                  <c:v>148024</c:v>
                 </c:pt>
                 <c:pt idx="9">
-                  <c:v>148024</c:v>
+                  <c:v>12883</c:v>
                 </c:pt>
                 <c:pt idx="10">
-                  <c:v>12883</c:v>
+                  <c:v>2470</c:v>
                 </c:pt>
               </c:numCache>
             </c:numRef>
           </c:val>
           <c:extLst>
             <c:ext xmlns:c16="http://schemas.microsoft.com/office/drawing/2014/chart" uri="{C3380CC4-5D6E-409C-BE32-E72D297353CC}">
-              <c16:uniqueId val="{00000001-FF57-454E-93FD-60C38CDFE2DE}"/>
+              <c16:uniqueId val="{00000001-AD06-8D49-8318-9D312FF1DC8E}"/>
             </c:ext>
           </c:extLst>
         </c:ser>
@@ -3465,7 +3324,6 @@
           <c:showBubbleSize val="0"/>
         </c:dLbls>
         <c:gapWidth val="150"/>
-        <c:overlap val="100"/>
         <c:axId val="1816650559"/>
         <c:axId val="1816652287"/>
       </c:barChart>
@@ -3582,20 +3440,6 @@
         </c:scaling>
         <c:delete val="0"/>
         <c:axPos val="r"/>
-        <c:majorGridlines>
-          <c:spPr>
-            <a:ln w="9525" cap="flat" cmpd="sng" algn="ctr">
-              <a:solidFill>
-                <a:schemeClr val="tx1">
-                  <a:lumMod val="15000"/>
-                  <a:lumOff val="85000"/>
-                </a:schemeClr>
-              </a:solidFill>
-              <a:round/>
-            </a:ln>
-            <a:effectLst/>
-          </c:spPr>
-        </c:majorGridlines>
         <c:title>
           <c:tx>
             <c:rich>
@@ -3617,7 +3461,7 @@
                 </a:pPr>
                 <a:r>
                   <a:rPr lang="ar-SA"/>
-                  <a:t>عدد مستخدمين التطبيق</a:t>
+                  <a:t>المستخدمين</a:t>
                 </a:r>
               </a:p>
             </c:rich>
@@ -3685,6 +3529,1032 @@
         <c:crossAx val="1816650559"/>
         <c:crosses val="autoZero"/>
         <c:crossBetween val="between"/>
+        <c:dispUnits>
+          <c:builtInUnit val="thousands"/>
+          <c:dispUnitsLbl>
+            <c:spPr>
+              <a:noFill/>
+              <a:ln>
+                <a:noFill/>
+              </a:ln>
+              <a:effectLst/>
+            </c:spPr>
+            <c:txPr>
+              <a:bodyPr rot="-5400000" spcFirstLastPara="1" vertOverflow="ellipsis" vert="horz" wrap="square" anchor="ctr" anchorCtr="1"/>
+              <a:lstStyle/>
+              <a:p>
+                <a:pPr>
+                  <a:defRPr sz="1000" b="0" i="0" u="none" strike="noStrike" kern="1200" baseline="0">
+                    <a:solidFill>
+                      <a:schemeClr val="tx1">
+                        <a:lumMod val="65000"/>
+                        <a:lumOff val="35000"/>
+                      </a:schemeClr>
+                    </a:solidFill>
+                    <a:latin typeface="+mn-lt"/>
+                    <a:ea typeface="+mn-ea"/>
+                    <a:cs typeface="+mn-cs"/>
+                  </a:defRPr>
+                </a:pPr>
+                <a:endParaRPr lang="ar-SA"/>
+              </a:p>
+            </c:txPr>
+          </c:dispUnitsLbl>
+        </c:dispUnits>
+      </c:valAx>
+      <c:spPr>
+        <a:noFill/>
+        <a:ln>
+          <a:noFill/>
+        </a:ln>
+        <a:effectLst/>
+      </c:spPr>
+    </c:plotArea>
+    <c:legend>
+      <c:legendPos val="r"/>
+      <c:overlay val="0"/>
+      <c:spPr>
+        <a:noFill/>
+        <a:ln>
+          <a:noFill/>
+        </a:ln>
+        <a:effectLst/>
+      </c:spPr>
+      <c:txPr>
+        <a:bodyPr rot="0" spcFirstLastPara="1" vertOverflow="ellipsis" vert="horz" wrap="square" anchor="ctr" anchorCtr="1"/>
+        <a:lstStyle/>
+        <a:p>
+          <a:pPr>
+            <a:defRPr sz="900" b="0" i="0" u="none" strike="noStrike" kern="1200" baseline="0">
+              <a:solidFill>
+                <a:schemeClr val="tx1">
+                  <a:lumMod val="65000"/>
+                  <a:lumOff val="35000"/>
+                </a:schemeClr>
+              </a:solidFill>
+              <a:latin typeface="+mn-lt"/>
+              <a:ea typeface="+mn-ea"/>
+              <a:cs typeface="+mn-cs"/>
+            </a:defRPr>
+          </a:pPr>
+          <a:endParaRPr lang="ar-SA"/>
+        </a:p>
+      </c:txPr>
+    </c:legend>
+    <c:plotVisOnly val="1"/>
+    <c:dispBlanksAs val="gap"/>
+    <c:extLst>
+      <c:ext xmlns:c16r3="http://schemas.microsoft.com/office/drawing/2017/03/chart" uri="{56B9EC1D-385E-4148-901F-78D8002777C0}">
+        <c16r3:dataDisplayOptions16>
+          <c16r3:dispNaAsBlank val="1"/>
+        </c16r3:dataDisplayOptions16>
+      </c:ext>
+    </c:extLst>
+    <c:showDLblsOverMax val="0"/>
+  </c:chart>
+  <c:spPr>
+    <a:noFill/>
+    <a:ln>
+      <a:noFill/>
+    </a:ln>
+    <a:effectLst/>
+  </c:spPr>
+  <c:txPr>
+    <a:bodyPr/>
+    <a:lstStyle/>
+    <a:p>
+      <a:pPr>
+        <a:defRPr/>
+      </a:pPr>
+      <a:endParaRPr lang="ar-SA"/>
+    </a:p>
+  </c:txPr>
+  <c:externalData r:id="rId3">
+    <c:autoUpdate val="0"/>
+  </c:externalData>
+  <c:extLst>
+    <c:ext xmlns:c14="http://schemas.microsoft.com/office/drawing/2007/8/2/chart" uri="{781A3756-C4B2-4CAC-9D66-4F8BD8637D16}">
+      <c14:pivotOptions>
+        <c14:dropZoneFilter val="1"/>
+        <c14:dropZoneCategories val="1"/>
+        <c14:dropZoneData val="1"/>
+        <c14:dropZoneSeries val="1"/>
+        <c14:dropZonesVisible val="1"/>
+      </c14:pivotOptions>
+    </c:ext>
+    <c:ext xmlns:c16="http://schemas.microsoft.com/office/drawing/2014/chart" uri="{E28EC0CA-F0BB-4C9C-879D-F8772B89E7AC}">
+      <c16:pivotOptions16>
+        <c16:showExpandCollapseFieldButtons val="1"/>
+      </c16:pivotOptions16>
+    </c:ext>
+  </c:extLst>
+</c:chartSpace>
+</file>
+
+<file path=ppt/charts/chart5.xml><?xml version="1.0" encoding="utf-8"?>
+<c:chartSpace xmlns:c="http://schemas.openxmlformats.org/drawingml/2006/chart" xmlns:a="http://schemas.openxmlformats.org/drawingml/2006/main" xmlns:r="http://schemas.openxmlformats.org/officeDocument/2006/relationships" xmlns:c16r2="http://schemas.microsoft.com/office/drawing/2015/06/chart">
+  <c:date1904 val="0"/>
+  <c:lang val="ar-SA"/>
+  <c:roundedCorners val="0"/>
+  <mc:AlternateContent xmlns:mc="http://schemas.openxmlformats.org/markup-compatibility/2006">
+    <mc:Choice xmlns:c14="http://schemas.microsoft.com/office/drawing/2007/8/2/chart" Requires="c14">
+      <c14:style val="102"/>
+    </mc:Choice>
+    <mc:Fallback>
+      <c:style val="2"/>
+    </mc:Fallback>
+  </mc:AlternateContent>
+  <c:pivotSource>
+    <c:name>[عدد مستخدمين تطبيق نُسُك ١٤٤٤٣-١٤٤٤هـ (version 1).xlsb]التغير بين السنتين!PivotTable12</c:name>
+    <c:fmtId val="7"/>
+  </c:pivotSource>
+  <c:chart>
+    <c:title>
+      <c:tx>
+        <c:rich>
+          <a:bodyPr rot="0" spcFirstLastPara="1" vertOverflow="ellipsis" vert="horz" wrap="square" anchor="ctr" anchorCtr="1"/>
+          <a:lstStyle/>
+          <a:p>
+            <a:pPr marL="0" marR="0" indent="0" algn="ctr" defTabSz="914400" rtl="1" eaLnBrk="1" fontAlgn="auto" latinLnBrk="0" hangingPunct="1">
+              <a:lnSpc>
+                <a:spcPct val="100000"/>
+              </a:lnSpc>
+              <a:spcBef>
+                <a:spcPts val="0"/>
+              </a:spcBef>
+              <a:spcAft>
+                <a:spcPts val="0"/>
+              </a:spcAft>
+              <a:buClrTx/>
+              <a:buSzTx/>
+              <a:buFontTx/>
+              <a:buNone/>
+              <a:tabLst/>
+              <a:defRPr sz="1400" b="0" i="0" u="none" strike="noStrike" kern="1200" spc="0" baseline="0">
+                <a:solidFill>
+                  <a:sysClr val="windowText" lastClr="000000">
+                    <a:lumMod val="65000"/>
+                    <a:lumOff val="35000"/>
+                  </a:sysClr>
+                </a:solidFill>
+                <a:latin typeface="+mn-lt"/>
+                <a:ea typeface="+mn-ea"/>
+                <a:cs typeface="+mn-cs"/>
+              </a:defRPr>
+            </a:pPr>
+            <a:r>
+              <a:rPr lang="ar-SA"/>
+              <a:t>عدد مستخدمين التطبيق مقارنة بالشهر لسابق </a:t>
+            </a:r>
+          </a:p>
+        </c:rich>
+      </c:tx>
+      <c:overlay val="0"/>
+      <c:spPr>
+        <a:noFill/>
+        <a:ln>
+          <a:noFill/>
+        </a:ln>
+        <a:effectLst/>
+      </c:spPr>
+      <c:txPr>
+        <a:bodyPr rot="0" spcFirstLastPara="1" vertOverflow="ellipsis" vert="horz" wrap="square" anchor="ctr" anchorCtr="1"/>
+        <a:lstStyle/>
+        <a:p>
+          <a:pPr marL="0" marR="0" indent="0" algn="ctr" defTabSz="914400" rtl="1" eaLnBrk="1" fontAlgn="auto" latinLnBrk="0" hangingPunct="1">
+            <a:lnSpc>
+              <a:spcPct val="100000"/>
+            </a:lnSpc>
+            <a:spcBef>
+              <a:spcPts val="0"/>
+            </a:spcBef>
+            <a:spcAft>
+              <a:spcPts val="0"/>
+            </a:spcAft>
+            <a:buClrTx/>
+            <a:buSzTx/>
+            <a:buFontTx/>
+            <a:buNone/>
+            <a:tabLst/>
+            <a:defRPr sz="1400" b="0" i="0" u="none" strike="noStrike" kern="1200" spc="0" baseline="0">
+              <a:solidFill>
+                <a:sysClr val="windowText" lastClr="000000">
+                  <a:lumMod val="65000"/>
+                  <a:lumOff val="35000"/>
+                </a:sysClr>
+              </a:solidFill>
+              <a:latin typeface="+mn-lt"/>
+              <a:ea typeface="+mn-ea"/>
+              <a:cs typeface="+mn-cs"/>
+            </a:defRPr>
+          </a:pPr>
+          <a:endParaRPr lang="ar-SA"/>
+        </a:p>
+      </c:txPr>
+    </c:title>
+    <c:autoTitleDeleted val="0"/>
+    <c:pivotFmts>
+      <c:pivotFmt>
+        <c:idx val="0"/>
+        <c:spPr>
+          <a:solidFill>
+            <a:schemeClr val="accent1"/>
+          </a:solidFill>
+          <a:ln>
+            <a:noFill/>
+          </a:ln>
+          <a:effectLst/>
+        </c:spPr>
+        <c:marker>
+          <c:symbol val="none"/>
+        </c:marker>
+        <c:dLbl>
+          <c:idx val="0"/>
+          <c:spPr>
+            <a:noFill/>
+            <a:ln>
+              <a:noFill/>
+            </a:ln>
+            <a:effectLst/>
+          </c:spPr>
+          <c:txPr>
+            <a:bodyPr rot="0" spcFirstLastPara="1" vertOverflow="ellipsis" vert="horz" wrap="square" lIns="38100" tIns="19050" rIns="38100" bIns="19050" anchor="ctr" anchorCtr="1">
+              <a:spAutoFit/>
+            </a:bodyPr>
+            <a:lstStyle/>
+            <a:p>
+              <a:pPr>
+                <a:defRPr sz="900" b="0" i="0" u="none" strike="noStrike" kern="1200" baseline="0">
+                  <a:solidFill>
+                    <a:schemeClr val="tx1">
+                      <a:lumMod val="75000"/>
+                      <a:lumOff val="25000"/>
+                    </a:schemeClr>
+                  </a:solidFill>
+                  <a:latin typeface="+mn-lt"/>
+                  <a:ea typeface="+mn-ea"/>
+                  <a:cs typeface="+mn-cs"/>
+                </a:defRPr>
+              </a:pPr>
+              <a:endParaRPr lang="ar-SA"/>
+            </a:p>
+          </c:txPr>
+          <c:showLegendKey val="0"/>
+          <c:showVal val="0"/>
+          <c:showCatName val="0"/>
+          <c:showSerName val="0"/>
+          <c:showPercent val="0"/>
+          <c:showBubbleSize val="0"/>
+          <c:extLst>
+            <c:ext xmlns:c15="http://schemas.microsoft.com/office/drawing/2012/chart" uri="{CE6537A1-D6FC-4f65-9D91-7224C49458BB}"/>
+          </c:extLst>
+        </c:dLbl>
+      </c:pivotFmt>
+      <c:pivotFmt>
+        <c:idx val="1"/>
+        <c:spPr>
+          <a:solidFill>
+            <a:schemeClr val="accent1"/>
+          </a:solidFill>
+          <a:ln w="28575" cap="rnd">
+            <a:solidFill>
+              <a:schemeClr val="accent1"/>
+            </a:solidFill>
+            <a:round/>
+          </a:ln>
+          <a:effectLst/>
+        </c:spPr>
+        <c:marker>
+          <c:symbol val="none"/>
+        </c:marker>
+        <c:dLbl>
+          <c:idx val="0"/>
+          <c:spPr>
+            <a:noFill/>
+            <a:ln>
+              <a:noFill/>
+            </a:ln>
+            <a:effectLst/>
+          </c:spPr>
+          <c:txPr>
+            <a:bodyPr rot="0" spcFirstLastPara="1" vertOverflow="ellipsis" vert="horz" wrap="square" lIns="38100" tIns="19050" rIns="38100" bIns="19050" anchor="ctr" anchorCtr="1">
+              <a:spAutoFit/>
+            </a:bodyPr>
+            <a:lstStyle/>
+            <a:p>
+              <a:pPr>
+                <a:defRPr sz="900" b="0" i="0" u="none" strike="noStrike" kern="1200" baseline="0">
+                  <a:solidFill>
+                    <a:schemeClr val="tx1">
+                      <a:lumMod val="75000"/>
+                      <a:lumOff val="25000"/>
+                    </a:schemeClr>
+                  </a:solidFill>
+                  <a:latin typeface="+mn-lt"/>
+                  <a:ea typeface="+mn-ea"/>
+                  <a:cs typeface="+mn-cs"/>
+                </a:defRPr>
+              </a:pPr>
+              <a:endParaRPr lang="ar-SA"/>
+            </a:p>
+          </c:txPr>
+          <c:showLegendKey val="0"/>
+          <c:showVal val="0"/>
+          <c:showCatName val="0"/>
+          <c:showSerName val="0"/>
+          <c:showPercent val="0"/>
+          <c:showBubbleSize val="0"/>
+          <c:extLst>
+            <c:ext xmlns:c15="http://schemas.microsoft.com/office/drawing/2012/chart" uri="{CE6537A1-D6FC-4f65-9D91-7224C49458BB}"/>
+          </c:extLst>
+        </c:dLbl>
+      </c:pivotFmt>
+      <c:pivotFmt>
+        <c:idx val="2"/>
+        <c:spPr>
+          <a:solidFill>
+            <a:schemeClr val="accent1"/>
+          </a:solidFill>
+          <a:ln w="28575" cap="rnd">
+            <a:solidFill>
+              <a:schemeClr val="accent1"/>
+            </a:solidFill>
+            <a:round/>
+          </a:ln>
+          <a:effectLst/>
+        </c:spPr>
+        <c:marker>
+          <c:symbol val="none"/>
+        </c:marker>
+        <c:dLbl>
+          <c:idx val="0"/>
+          <c:spPr>
+            <a:noFill/>
+            <a:ln>
+              <a:noFill/>
+            </a:ln>
+            <a:effectLst/>
+          </c:spPr>
+          <c:txPr>
+            <a:bodyPr rot="0" spcFirstLastPara="1" vertOverflow="ellipsis" vert="horz" wrap="square" lIns="38100" tIns="19050" rIns="38100" bIns="19050" anchor="ctr" anchorCtr="1">
+              <a:spAutoFit/>
+            </a:bodyPr>
+            <a:lstStyle/>
+            <a:p>
+              <a:pPr>
+                <a:defRPr sz="900" b="0" i="0" u="none" strike="noStrike" kern="1200" baseline="0">
+                  <a:solidFill>
+                    <a:schemeClr val="tx1">
+                      <a:lumMod val="75000"/>
+                      <a:lumOff val="25000"/>
+                    </a:schemeClr>
+                  </a:solidFill>
+                  <a:latin typeface="+mn-lt"/>
+                  <a:ea typeface="+mn-ea"/>
+                  <a:cs typeface="+mn-cs"/>
+                </a:defRPr>
+              </a:pPr>
+              <a:endParaRPr lang="ar-SA"/>
+            </a:p>
+          </c:txPr>
+          <c:showLegendKey val="0"/>
+          <c:showVal val="0"/>
+          <c:showCatName val="0"/>
+          <c:showSerName val="0"/>
+          <c:showPercent val="0"/>
+          <c:showBubbleSize val="0"/>
+          <c:extLst>
+            <c:ext xmlns:c15="http://schemas.microsoft.com/office/drawing/2012/chart" uri="{CE6537A1-D6FC-4f65-9D91-7224C49458BB}"/>
+          </c:extLst>
+        </c:dLbl>
+      </c:pivotFmt>
+      <c:pivotFmt>
+        <c:idx val="3"/>
+        <c:spPr>
+          <a:solidFill>
+            <a:schemeClr val="accent1"/>
+          </a:solidFill>
+          <a:ln>
+            <a:noFill/>
+          </a:ln>
+          <a:effectLst/>
+        </c:spPr>
+        <c:marker>
+          <c:symbol val="none"/>
+        </c:marker>
+        <c:dLbl>
+          <c:idx val="0"/>
+          <c:spPr>
+            <a:noFill/>
+            <a:ln>
+              <a:noFill/>
+            </a:ln>
+            <a:effectLst/>
+          </c:spPr>
+          <c:txPr>
+            <a:bodyPr rot="0" spcFirstLastPara="1" vertOverflow="ellipsis" vert="horz" wrap="square" lIns="38100" tIns="19050" rIns="38100" bIns="19050" anchor="ctr" anchorCtr="1">
+              <a:spAutoFit/>
+            </a:bodyPr>
+            <a:lstStyle/>
+            <a:p>
+              <a:pPr>
+                <a:defRPr sz="900" b="0" i="0" u="none" strike="noStrike" kern="1200" baseline="0">
+                  <a:solidFill>
+                    <a:schemeClr val="tx1">
+                      <a:lumMod val="75000"/>
+                      <a:lumOff val="25000"/>
+                    </a:schemeClr>
+                  </a:solidFill>
+                  <a:latin typeface="+mn-lt"/>
+                  <a:ea typeface="+mn-ea"/>
+                  <a:cs typeface="+mn-cs"/>
+                </a:defRPr>
+              </a:pPr>
+              <a:endParaRPr lang="ar-SA"/>
+            </a:p>
+          </c:txPr>
+          <c:showLegendKey val="0"/>
+          <c:showVal val="0"/>
+          <c:showCatName val="0"/>
+          <c:showSerName val="0"/>
+          <c:showPercent val="0"/>
+          <c:showBubbleSize val="0"/>
+          <c:extLst>
+            <c:ext xmlns:c15="http://schemas.microsoft.com/office/drawing/2012/chart" uri="{CE6537A1-D6FC-4f65-9D91-7224C49458BB}"/>
+          </c:extLst>
+        </c:dLbl>
+      </c:pivotFmt>
+      <c:pivotFmt>
+        <c:idx val="4"/>
+        <c:spPr>
+          <a:solidFill>
+            <a:schemeClr val="accent1"/>
+          </a:solidFill>
+          <a:ln w="28575" cap="rnd">
+            <a:solidFill>
+              <a:schemeClr val="accent1"/>
+            </a:solidFill>
+            <a:round/>
+          </a:ln>
+          <a:effectLst/>
+        </c:spPr>
+        <c:marker>
+          <c:symbol val="none"/>
+        </c:marker>
+        <c:dLbl>
+          <c:idx val="0"/>
+          <c:spPr>
+            <a:noFill/>
+            <a:ln>
+              <a:noFill/>
+            </a:ln>
+            <a:effectLst/>
+          </c:spPr>
+          <c:txPr>
+            <a:bodyPr rot="0" spcFirstLastPara="1" vertOverflow="ellipsis" vert="horz" wrap="square" lIns="38100" tIns="19050" rIns="38100" bIns="19050" anchor="ctr" anchorCtr="1">
+              <a:spAutoFit/>
+            </a:bodyPr>
+            <a:lstStyle/>
+            <a:p>
+              <a:pPr>
+                <a:defRPr sz="900" b="0" i="0" u="none" strike="noStrike" kern="1200" baseline="0">
+                  <a:solidFill>
+                    <a:schemeClr val="tx1">
+                      <a:lumMod val="75000"/>
+                      <a:lumOff val="25000"/>
+                    </a:schemeClr>
+                  </a:solidFill>
+                  <a:latin typeface="+mn-lt"/>
+                  <a:ea typeface="+mn-ea"/>
+                  <a:cs typeface="+mn-cs"/>
+                </a:defRPr>
+              </a:pPr>
+              <a:endParaRPr lang="ar-SA"/>
+            </a:p>
+          </c:txPr>
+          <c:showLegendKey val="0"/>
+          <c:showVal val="0"/>
+          <c:showCatName val="0"/>
+          <c:showSerName val="0"/>
+          <c:showPercent val="0"/>
+          <c:showBubbleSize val="0"/>
+          <c:extLst>
+            <c:ext xmlns:c15="http://schemas.microsoft.com/office/drawing/2012/chart" uri="{CE6537A1-D6FC-4f65-9D91-7224C49458BB}"/>
+          </c:extLst>
+        </c:dLbl>
+      </c:pivotFmt>
+      <c:pivotFmt>
+        <c:idx val="5"/>
+        <c:spPr>
+          <a:solidFill>
+            <a:schemeClr val="accent1"/>
+          </a:solidFill>
+          <a:ln>
+            <a:noFill/>
+          </a:ln>
+          <a:effectLst/>
+        </c:spPr>
+        <c:marker>
+          <c:symbol val="none"/>
+        </c:marker>
+        <c:dLbl>
+          <c:idx val="0"/>
+          <c:spPr>
+            <a:noFill/>
+            <a:ln>
+              <a:noFill/>
+            </a:ln>
+            <a:effectLst/>
+          </c:spPr>
+          <c:txPr>
+            <a:bodyPr rot="0" spcFirstLastPara="1" vertOverflow="ellipsis" vert="horz" wrap="square" lIns="38100" tIns="19050" rIns="38100" bIns="19050" anchor="ctr" anchorCtr="1">
+              <a:spAutoFit/>
+            </a:bodyPr>
+            <a:lstStyle/>
+            <a:p>
+              <a:pPr>
+                <a:defRPr sz="900" b="0" i="0" u="none" strike="noStrike" kern="1200" baseline="0">
+                  <a:solidFill>
+                    <a:schemeClr val="tx1">
+                      <a:lumMod val="75000"/>
+                      <a:lumOff val="25000"/>
+                    </a:schemeClr>
+                  </a:solidFill>
+                  <a:latin typeface="+mn-lt"/>
+                  <a:ea typeface="+mn-ea"/>
+                  <a:cs typeface="+mn-cs"/>
+                </a:defRPr>
+              </a:pPr>
+              <a:endParaRPr lang="ar-SA"/>
+            </a:p>
+          </c:txPr>
+          <c:showLegendKey val="0"/>
+          <c:showVal val="0"/>
+          <c:showCatName val="0"/>
+          <c:showSerName val="0"/>
+          <c:showPercent val="0"/>
+          <c:showBubbleSize val="0"/>
+          <c:extLst>
+            <c:ext xmlns:c15="http://schemas.microsoft.com/office/drawing/2012/chart" uri="{CE6537A1-D6FC-4f65-9D91-7224C49458BB}"/>
+          </c:extLst>
+        </c:dLbl>
+      </c:pivotFmt>
+      <c:pivotFmt>
+        <c:idx val="6"/>
+        <c:spPr>
+          <a:solidFill>
+            <a:schemeClr val="accent1"/>
+          </a:solidFill>
+          <a:ln w="28575" cap="rnd">
+            <a:solidFill>
+              <a:schemeClr val="accent1"/>
+            </a:solidFill>
+            <a:round/>
+          </a:ln>
+          <a:effectLst/>
+        </c:spPr>
+        <c:marker>
+          <c:symbol val="none"/>
+        </c:marker>
+        <c:dLbl>
+          <c:idx val="0"/>
+          <c:spPr>
+            <a:noFill/>
+            <a:ln>
+              <a:noFill/>
+            </a:ln>
+            <a:effectLst/>
+          </c:spPr>
+          <c:txPr>
+            <a:bodyPr rot="0" spcFirstLastPara="1" vertOverflow="ellipsis" vert="horz" wrap="square" lIns="38100" tIns="19050" rIns="38100" bIns="19050" anchor="ctr" anchorCtr="1">
+              <a:spAutoFit/>
+            </a:bodyPr>
+            <a:lstStyle/>
+            <a:p>
+              <a:pPr>
+                <a:defRPr sz="900" b="0" i="0" u="none" strike="noStrike" kern="1200" baseline="0">
+                  <a:solidFill>
+                    <a:schemeClr val="tx1">
+                      <a:lumMod val="75000"/>
+                      <a:lumOff val="25000"/>
+                    </a:schemeClr>
+                  </a:solidFill>
+                  <a:latin typeface="+mn-lt"/>
+                  <a:ea typeface="+mn-ea"/>
+                  <a:cs typeface="+mn-cs"/>
+                </a:defRPr>
+              </a:pPr>
+              <a:endParaRPr lang="ar-SA"/>
+            </a:p>
+          </c:txPr>
+          <c:showLegendKey val="0"/>
+          <c:showVal val="0"/>
+          <c:showCatName val="0"/>
+          <c:showSerName val="0"/>
+          <c:showPercent val="0"/>
+          <c:showBubbleSize val="0"/>
+          <c:extLst>
+            <c:ext xmlns:c15="http://schemas.microsoft.com/office/drawing/2012/chart" uri="{CE6537A1-D6FC-4f65-9D91-7224C49458BB}"/>
+          </c:extLst>
+        </c:dLbl>
+      </c:pivotFmt>
+    </c:pivotFmts>
+    <c:plotArea>
+      <c:layout/>
+      <c:barChart>
+        <c:barDir val="col"/>
+        <c:grouping val="clustered"/>
+        <c:varyColors val="0"/>
+        <c:ser>
+          <c:idx val="0"/>
+          <c:order val="0"/>
+          <c:tx>
+            <c:strRef>
+              <c:f>'التغير بين السنتين'!$B$3</c:f>
+              <c:strCache>
+                <c:ptCount val="1"/>
+                <c:pt idx="0">
+                  <c:v>مجموع عدد المستخدمين</c:v>
+                </c:pt>
+              </c:strCache>
+            </c:strRef>
+          </c:tx>
+          <c:spPr>
+            <a:solidFill>
+              <a:schemeClr val="accent1"/>
+            </a:solidFill>
+            <a:ln>
+              <a:noFill/>
+            </a:ln>
+            <a:effectLst/>
+          </c:spPr>
+          <c:invertIfNegative val="0"/>
+          <c:cat>
+            <c:strRef>
+              <c:f>'التغير بين السنتين'!$A$4:$A$16</c:f>
+              <c:strCache>
+                <c:ptCount val="12"/>
+                <c:pt idx="0">
+                  <c:v>1</c:v>
+                </c:pt>
+                <c:pt idx="1">
+                  <c:v>2</c:v>
+                </c:pt>
+                <c:pt idx="2">
+                  <c:v>3</c:v>
+                </c:pt>
+                <c:pt idx="3">
+                  <c:v>4</c:v>
+                </c:pt>
+                <c:pt idx="4">
+                  <c:v>5</c:v>
+                </c:pt>
+                <c:pt idx="5">
+                  <c:v>6</c:v>
+                </c:pt>
+                <c:pt idx="6">
+                  <c:v>7</c:v>
+                </c:pt>
+                <c:pt idx="7">
+                  <c:v>8</c:v>
+                </c:pt>
+                <c:pt idx="8">
+                  <c:v>9</c:v>
+                </c:pt>
+                <c:pt idx="9">
+                  <c:v>10</c:v>
+                </c:pt>
+                <c:pt idx="10">
+                  <c:v>11</c:v>
+                </c:pt>
+                <c:pt idx="11">
+                  <c:v>12</c:v>
+                </c:pt>
+              </c:strCache>
+            </c:strRef>
+          </c:cat>
+          <c:val>
+            <c:numRef>
+              <c:f>'التغير بين السنتين'!$B$4:$B$16</c:f>
+              <c:numCache>
+                <c:formatCode>General</c:formatCode>
+                <c:ptCount val="12"/>
+                <c:pt idx="0">
+                  <c:v>1339447</c:v>
+                </c:pt>
+                <c:pt idx="1">
+                  <c:v>968721</c:v>
+                </c:pt>
+                <c:pt idx="2">
+                  <c:v>883795</c:v>
+                </c:pt>
+                <c:pt idx="3">
+                  <c:v>2258326</c:v>
+                </c:pt>
+                <c:pt idx="4">
+                  <c:v>1922229</c:v>
+                </c:pt>
+                <c:pt idx="5">
+                  <c:v>1521380</c:v>
+                </c:pt>
+                <c:pt idx="6">
+                  <c:v>1126275</c:v>
+                </c:pt>
+                <c:pt idx="7">
+                  <c:v>1748973</c:v>
+                </c:pt>
+                <c:pt idx="8">
+                  <c:v>2615121</c:v>
+                </c:pt>
+                <c:pt idx="9">
+                  <c:v>578644</c:v>
+                </c:pt>
+                <c:pt idx="10">
+                  <c:v>979833</c:v>
+                </c:pt>
+                <c:pt idx="11">
+                  <c:v>290912</c:v>
+                </c:pt>
+              </c:numCache>
+            </c:numRef>
+          </c:val>
+          <c:extLst>
+            <c:ext xmlns:c16="http://schemas.microsoft.com/office/drawing/2014/chart" uri="{C3380CC4-5D6E-409C-BE32-E72D297353CC}">
+              <c16:uniqueId val="{00000000-16C2-4C4B-A635-56E0F046A839}"/>
+            </c:ext>
+          </c:extLst>
+        </c:ser>
+        <c:dLbls>
+          <c:showLegendKey val="0"/>
+          <c:showVal val="0"/>
+          <c:showCatName val="0"/>
+          <c:showSerName val="0"/>
+          <c:showPercent val="0"/>
+          <c:showBubbleSize val="0"/>
+        </c:dLbls>
+        <c:gapWidth val="150"/>
+        <c:axId val="1589032703"/>
+        <c:axId val="1587637983"/>
+      </c:barChart>
+      <c:lineChart>
+        <c:grouping val="standard"/>
+        <c:varyColors val="0"/>
+        <c:ser>
+          <c:idx val="1"/>
+          <c:order val="1"/>
+          <c:tx>
+            <c:strRef>
+              <c:f>'التغير بين السنتين'!$C$3</c:f>
+              <c:strCache>
+                <c:ptCount val="1"/>
+                <c:pt idx="0">
+                  <c:v>الفرق</c:v>
+                </c:pt>
+              </c:strCache>
+            </c:strRef>
+          </c:tx>
+          <c:spPr>
+            <a:ln w="28575" cap="rnd">
+              <a:solidFill>
+                <a:schemeClr val="accent2"/>
+              </a:solidFill>
+              <a:round/>
+            </a:ln>
+            <a:effectLst/>
+          </c:spPr>
+          <c:marker>
+            <c:symbol val="none"/>
+          </c:marker>
+          <c:cat>
+            <c:strRef>
+              <c:f>'التغير بين السنتين'!$A$4:$A$16</c:f>
+              <c:strCache>
+                <c:ptCount val="12"/>
+                <c:pt idx="0">
+                  <c:v>1</c:v>
+                </c:pt>
+                <c:pt idx="1">
+                  <c:v>2</c:v>
+                </c:pt>
+                <c:pt idx="2">
+                  <c:v>3</c:v>
+                </c:pt>
+                <c:pt idx="3">
+                  <c:v>4</c:v>
+                </c:pt>
+                <c:pt idx="4">
+                  <c:v>5</c:v>
+                </c:pt>
+                <c:pt idx="5">
+                  <c:v>6</c:v>
+                </c:pt>
+                <c:pt idx="6">
+                  <c:v>7</c:v>
+                </c:pt>
+                <c:pt idx="7">
+                  <c:v>8</c:v>
+                </c:pt>
+                <c:pt idx="8">
+                  <c:v>9</c:v>
+                </c:pt>
+                <c:pt idx="9">
+                  <c:v>10</c:v>
+                </c:pt>
+                <c:pt idx="10">
+                  <c:v>11</c:v>
+                </c:pt>
+                <c:pt idx="11">
+                  <c:v>12</c:v>
+                </c:pt>
+              </c:strCache>
+            </c:strRef>
+          </c:cat>
+          <c:val>
+            <c:numRef>
+              <c:f>'التغير بين السنتين'!$C$4:$C$16</c:f>
+              <c:numCache>
+                <c:formatCode>0_ ;[Red]\-0\ </c:formatCode>
+                <c:ptCount val="12"/>
+                <c:pt idx="1">
+                  <c:v>-370726</c:v>
+                </c:pt>
+                <c:pt idx="2">
+                  <c:v>-84926</c:v>
+                </c:pt>
+                <c:pt idx="3">
+                  <c:v>1374531</c:v>
+                </c:pt>
+                <c:pt idx="4">
+                  <c:v>-336097</c:v>
+                </c:pt>
+                <c:pt idx="5">
+                  <c:v>-400849</c:v>
+                </c:pt>
+                <c:pt idx="6">
+                  <c:v>-395105</c:v>
+                </c:pt>
+                <c:pt idx="7">
+                  <c:v>622698</c:v>
+                </c:pt>
+                <c:pt idx="8">
+                  <c:v>866148</c:v>
+                </c:pt>
+                <c:pt idx="9">
+                  <c:v>-2036477</c:v>
+                </c:pt>
+                <c:pt idx="10">
+                  <c:v>401189</c:v>
+                </c:pt>
+                <c:pt idx="11">
+                  <c:v>-688921</c:v>
+                </c:pt>
+              </c:numCache>
+            </c:numRef>
+          </c:val>
+          <c:smooth val="0"/>
+          <c:extLst>
+            <c:ext xmlns:c16="http://schemas.microsoft.com/office/drawing/2014/chart" uri="{C3380CC4-5D6E-409C-BE32-E72D297353CC}">
+              <c16:uniqueId val="{00000001-16C2-4C4B-A635-56E0F046A839}"/>
+            </c:ext>
+          </c:extLst>
+        </c:ser>
+        <c:dLbls>
+          <c:showLegendKey val="0"/>
+          <c:showVal val="0"/>
+          <c:showCatName val="0"/>
+          <c:showSerName val="0"/>
+          <c:showPercent val="0"/>
+          <c:showBubbleSize val="0"/>
+        </c:dLbls>
+        <c:marker val="1"/>
+        <c:smooth val="0"/>
+        <c:axId val="1589032703"/>
+        <c:axId val="1587637983"/>
+      </c:lineChart>
+      <c:catAx>
+        <c:axId val="1589032703"/>
+        <c:scaling>
+          <c:orientation val="maxMin"/>
+        </c:scaling>
+        <c:delete val="0"/>
+        <c:axPos val="b"/>
+        <c:numFmt formatCode="General" sourceLinked="1"/>
+        <c:majorTickMark val="none"/>
+        <c:minorTickMark val="none"/>
+        <c:tickLblPos val="nextTo"/>
+        <c:spPr>
+          <a:noFill/>
+          <a:ln w="9525" cap="flat" cmpd="sng" algn="ctr">
+            <a:solidFill>
+              <a:schemeClr val="tx1">
+                <a:lumMod val="15000"/>
+                <a:lumOff val="85000"/>
+              </a:schemeClr>
+            </a:solidFill>
+            <a:round/>
+          </a:ln>
+          <a:effectLst/>
+        </c:spPr>
+        <c:txPr>
+          <a:bodyPr rot="-60000000" spcFirstLastPara="1" vertOverflow="ellipsis" vert="horz" wrap="square" anchor="ctr" anchorCtr="1"/>
+          <a:lstStyle/>
+          <a:p>
+            <a:pPr>
+              <a:defRPr sz="900" b="0" i="0" u="none" strike="noStrike" kern="1200" baseline="0">
+                <a:solidFill>
+                  <a:schemeClr val="tx1">
+                    <a:lumMod val="65000"/>
+                    <a:lumOff val="35000"/>
+                  </a:schemeClr>
+                </a:solidFill>
+                <a:latin typeface="+mn-lt"/>
+                <a:ea typeface="+mn-ea"/>
+                <a:cs typeface="+mn-cs"/>
+              </a:defRPr>
+            </a:pPr>
+            <a:endParaRPr lang="ar-SA"/>
+          </a:p>
+        </c:txPr>
+        <c:crossAx val="1587637983"/>
+        <c:crosses val="autoZero"/>
+        <c:auto val="1"/>
+        <c:lblAlgn val="ctr"/>
+        <c:lblOffset val="100"/>
+        <c:noMultiLvlLbl val="0"/>
+      </c:catAx>
+      <c:valAx>
+        <c:axId val="1587637983"/>
+        <c:scaling>
+          <c:orientation val="minMax"/>
+        </c:scaling>
+        <c:delete val="0"/>
+        <c:axPos val="r"/>
+        <c:numFmt formatCode="General" sourceLinked="1"/>
+        <c:majorTickMark val="none"/>
+        <c:minorTickMark val="none"/>
+        <c:tickLblPos val="nextTo"/>
+        <c:spPr>
+          <a:noFill/>
+          <a:ln>
+            <a:noFill/>
+          </a:ln>
+          <a:effectLst/>
+        </c:spPr>
+        <c:txPr>
+          <a:bodyPr rot="-60000000" spcFirstLastPara="1" vertOverflow="ellipsis" vert="horz" wrap="square" anchor="ctr" anchorCtr="1"/>
+          <a:lstStyle/>
+          <a:p>
+            <a:pPr>
+              <a:defRPr sz="900" b="0" i="0" u="none" strike="noStrike" kern="1200" baseline="0">
+                <a:solidFill>
+                  <a:schemeClr val="tx1">
+                    <a:lumMod val="65000"/>
+                    <a:lumOff val="35000"/>
+                  </a:schemeClr>
+                </a:solidFill>
+                <a:latin typeface="+mn-lt"/>
+                <a:ea typeface="+mn-ea"/>
+                <a:cs typeface="+mn-cs"/>
+              </a:defRPr>
+            </a:pPr>
+            <a:endParaRPr lang="ar-SA"/>
+          </a:p>
+        </c:txPr>
+        <c:crossAx val="1589032703"/>
+        <c:crosses val="autoZero"/>
+        <c:crossBetween val="between"/>
+        <c:dispUnits>
+          <c:builtInUnit val="thousands"/>
+          <c:dispUnitsLbl>
+            <c:spPr>
+              <a:noFill/>
+              <a:ln>
+                <a:noFill/>
+              </a:ln>
+              <a:effectLst/>
+            </c:spPr>
+            <c:txPr>
+              <a:bodyPr rot="-5400000" spcFirstLastPara="1" vertOverflow="ellipsis" vert="horz" wrap="square" anchor="ctr" anchorCtr="1"/>
+              <a:lstStyle/>
+              <a:p>
+                <a:pPr>
+                  <a:defRPr sz="1000" b="0" i="0" u="none" strike="noStrike" kern="1200" baseline="0">
+                    <a:solidFill>
+                      <a:schemeClr val="tx1">
+                        <a:lumMod val="65000"/>
+                        <a:lumOff val="35000"/>
+                      </a:schemeClr>
+                    </a:solidFill>
+                    <a:latin typeface="+mn-lt"/>
+                    <a:ea typeface="+mn-ea"/>
+                    <a:cs typeface="+mn-cs"/>
+                  </a:defRPr>
+                </a:pPr>
+                <a:endParaRPr lang="ar-SA"/>
+              </a:p>
+            </c:txPr>
+          </c:dispUnitsLbl>
+        </c:dispUnits>
       </c:valAx>
       <c:spPr>
         <a:noFill/>
@@ -3809,6 +4679,17 @@
 </file>
 
 <file path=ppt/charts/colors4.xml><?xml version="1.0" encoding="utf-8"?>
+<cs:colorStyle xmlns:cs="http://schemas.microsoft.com/office/drawing/2012/chartStyle" xmlns:a="http://schemas.openxmlformats.org/drawingml/2006/main" meth="acrossLinear" id="2">
+  <a:schemeClr val="accent1"/>
+  <a:schemeClr val="accent2"/>
+  <a:schemeClr val="accent3"/>
+  <a:schemeClr val="accent4"/>
+  <a:schemeClr val="accent5"/>
+  <a:schemeClr val="accent6"/>
+</cs:colorStyle>
+</file>
+
+<file path=ppt/charts/colors5.xml><?xml version="1.0" encoding="utf-8"?>
 <cs:colorStyle xmlns:cs="http://schemas.microsoft.com/office/drawing/2012/chartStyle" xmlns:a="http://schemas.openxmlformats.org/drawingml/2006/main" meth="acrossLinear" id="2">
   <a:schemeClr val="accent1"/>
   <a:schemeClr val="accent2"/>
@@ -5862,6 +6743,522 @@
 </cs:chartStyle>
 </file>
 
+<file path=ppt/charts/style5.xml><?xml version="1.0" encoding="utf-8"?>
+<cs:chartStyle xmlns:cs="http://schemas.microsoft.com/office/drawing/2012/chartStyle" xmlns:a="http://schemas.openxmlformats.org/drawingml/2006/main" id="322">
+  <cs:axisTitle>
+    <cs:lnRef idx="0"/>
+    <cs:fillRef idx="0"/>
+    <cs:effectRef idx="0"/>
+    <cs:fontRef idx="minor">
+      <a:schemeClr val="tx1">
+        <a:lumMod val="65000"/>
+        <a:lumOff val="35000"/>
+      </a:schemeClr>
+    </cs:fontRef>
+    <cs:defRPr sz="1000" kern="1200"/>
+  </cs:axisTitle>
+  <cs:categoryAxis>
+    <cs:lnRef idx="0"/>
+    <cs:fillRef idx="0"/>
+    <cs:effectRef idx="0"/>
+    <cs:fontRef idx="minor">
+      <a:schemeClr val="tx1">
+        <a:lumMod val="65000"/>
+        <a:lumOff val="35000"/>
+      </a:schemeClr>
+    </cs:fontRef>
+    <cs:spPr>
+      <a:ln w="9525" cap="flat" cmpd="sng" algn="ctr">
+        <a:solidFill>
+          <a:schemeClr val="tx1">
+            <a:lumMod val="15000"/>
+            <a:lumOff val="85000"/>
+          </a:schemeClr>
+        </a:solidFill>
+        <a:round/>
+      </a:ln>
+    </cs:spPr>
+    <cs:defRPr sz="900" kern="1200"/>
+  </cs:categoryAxis>
+  <cs:chartArea mods="allowNoFillOverride allowNoLineOverride">
+    <cs:lnRef idx="0"/>
+    <cs:fillRef idx="0"/>
+    <cs:effectRef idx="0"/>
+    <cs:fontRef idx="minor">
+      <a:schemeClr val="tx1"/>
+    </cs:fontRef>
+    <cs:spPr>
+      <a:solidFill>
+        <a:schemeClr val="bg1"/>
+      </a:solidFill>
+      <a:ln w="9525" cap="flat" cmpd="sng" algn="ctr">
+        <a:solidFill>
+          <a:schemeClr val="tx1">
+            <a:lumMod val="15000"/>
+            <a:lumOff val="85000"/>
+          </a:schemeClr>
+        </a:solidFill>
+        <a:round/>
+      </a:ln>
+    </cs:spPr>
+    <cs:defRPr sz="1000" kern="1200"/>
+  </cs:chartArea>
+  <cs:dataLabel>
+    <cs:lnRef idx="0"/>
+    <cs:fillRef idx="0"/>
+    <cs:effectRef idx="0"/>
+    <cs:fontRef idx="minor">
+      <a:schemeClr val="tx1">
+        <a:lumMod val="75000"/>
+        <a:lumOff val="25000"/>
+      </a:schemeClr>
+    </cs:fontRef>
+    <cs:defRPr sz="900" kern="1200"/>
+  </cs:dataLabel>
+  <cs:dataLabelCallout>
+    <cs:lnRef idx="0"/>
+    <cs:fillRef idx="0"/>
+    <cs:effectRef idx="0"/>
+    <cs:fontRef idx="minor">
+      <a:schemeClr val="dk1">
+        <a:lumMod val="65000"/>
+        <a:lumOff val="35000"/>
+      </a:schemeClr>
+    </cs:fontRef>
+    <cs:spPr>
+      <a:solidFill>
+        <a:schemeClr val="lt1"/>
+      </a:solidFill>
+      <a:ln>
+        <a:solidFill>
+          <a:schemeClr val="dk1">
+            <a:lumMod val="25000"/>
+            <a:lumOff val="75000"/>
+          </a:schemeClr>
+        </a:solidFill>
+      </a:ln>
+    </cs:spPr>
+    <cs:defRPr sz="900" kern="1200"/>
+    <cs:bodyPr rot="0" spcFirstLastPara="1" vertOverflow="clip" horzOverflow="clip" vert="horz" wrap="square" lIns="36576" tIns="18288" rIns="36576" bIns="18288" anchor="ctr" anchorCtr="1">
+      <a:spAutoFit/>
+    </cs:bodyPr>
+  </cs:dataLabelCallout>
+  <cs:dataPoint>
+    <cs:lnRef idx="0"/>
+    <cs:fillRef idx="1">
+      <cs:styleClr val="auto"/>
+    </cs:fillRef>
+    <cs:effectRef idx="0"/>
+    <cs:fontRef idx="minor">
+      <a:schemeClr val="tx1"/>
+    </cs:fontRef>
+  </cs:dataPoint>
+  <cs:dataPoint3D>
+    <cs:lnRef idx="0"/>
+    <cs:fillRef idx="1">
+      <cs:styleClr val="auto"/>
+    </cs:fillRef>
+    <cs:effectRef idx="0"/>
+    <cs:fontRef idx="minor">
+      <a:schemeClr val="tx1"/>
+    </cs:fontRef>
+  </cs:dataPoint3D>
+  <cs:dataPointLine>
+    <cs:lnRef idx="0">
+      <cs:styleClr val="auto"/>
+    </cs:lnRef>
+    <cs:fillRef idx="1"/>
+    <cs:effectRef idx="0"/>
+    <cs:fontRef idx="minor">
+      <a:schemeClr val="tx1"/>
+    </cs:fontRef>
+    <cs:spPr>
+      <a:ln w="28575" cap="rnd">
+        <a:solidFill>
+          <a:schemeClr val="phClr"/>
+        </a:solidFill>
+        <a:round/>
+      </a:ln>
+    </cs:spPr>
+  </cs:dataPointLine>
+  <cs:dataPointMarker>
+    <cs:lnRef idx="0">
+      <cs:styleClr val="auto"/>
+    </cs:lnRef>
+    <cs:fillRef idx="1">
+      <cs:styleClr val="auto"/>
+    </cs:fillRef>
+    <cs:effectRef idx="0"/>
+    <cs:fontRef idx="minor">
+      <a:schemeClr val="tx1"/>
+    </cs:fontRef>
+    <cs:spPr>
+      <a:ln w="9525">
+        <a:solidFill>
+          <a:schemeClr val="phClr"/>
+        </a:solidFill>
+      </a:ln>
+    </cs:spPr>
+  </cs:dataPointMarker>
+  <cs:dataPointMarkerLayout symbol="circle" size="5"/>
+  <cs:dataPointWireframe>
+    <cs:lnRef idx="0">
+      <cs:styleClr val="auto"/>
+    </cs:lnRef>
+    <cs:fillRef idx="1"/>
+    <cs:effectRef idx="0"/>
+    <cs:fontRef idx="minor">
+      <a:schemeClr val="tx1"/>
+    </cs:fontRef>
+    <cs:spPr>
+      <a:ln w="9525" cap="rnd">
+        <a:solidFill>
+          <a:schemeClr val="phClr"/>
+        </a:solidFill>
+        <a:round/>
+      </a:ln>
+    </cs:spPr>
+  </cs:dataPointWireframe>
+  <cs:dataTable>
+    <cs:lnRef idx="0"/>
+    <cs:fillRef idx="0"/>
+    <cs:effectRef idx="0"/>
+    <cs:fontRef idx="minor">
+      <a:schemeClr val="tx1">
+        <a:lumMod val="65000"/>
+        <a:lumOff val="35000"/>
+      </a:schemeClr>
+    </cs:fontRef>
+    <cs:spPr>
+      <a:noFill/>
+      <a:ln w="9525" cap="flat" cmpd="sng" algn="ctr">
+        <a:solidFill>
+          <a:schemeClr val="tx1">
+            <a:lumMod val="15000"/>
+            <a:lumOff val="85000"/>
+          </a:schemeClr>
+        </a:solidFill>
+        <a:round/>
+      </a:ln>
+    </cs:spPr>
+    <cs:defRPr sz="900" kern="1200"/>
+  </cs:dataTable>
+  <cs:downBar>
+    <cs:lnRef idx="0"/>
+    <cs:fillRef idx="0"/>
+    <cs:effectRef idx="0"/>
+    <cs:fontRef idx="minor">
+      <a:schemeClr val="tx1"/>
+    </cs:fontRef>
+    <cs:spPr>
+      <a:solidFill>
+        <a:schemeClr val="dk1">
+          <a:lumMod val="75000"/>
+          <a:lumOff val="25000"/>
+        </a:schemeClr>
+      </a:solidFill>
+      <a:ln w="9525" cap="flat" cmpd="sng" algn="ctr">
+        <a:solidFill>
+          <a:schemeClr val="tx1">
+            <a:lumMod val="65000"/>
+            <a:lumOff val="35000"/>
+          </a:schemeClr>
+        </a:solidFill>
+        <a:round/>
+      </a:ln>
+    </cs:spPr>
+  </cs:downBar>
+  <cs:dropLine>
+    <cs:lnRef idx="0"/>
+    <cs:fillRef idx="0"/>
+    <cs:effectRef idx="0"/>
+    <cs:fontRef idx="minor">
+      <a:schemeClr val="tx1"/>
+    </cs:fontRef>
+    <cs:spPr>
+      <a:ln w="9525" cap="flat" cmpd="sng" algn="ctr">
+        <a:solidFill>
+          <a:schemeClr val="tx1">
+            <a:lumMod val="35000"/>
+            <a:lumOff val="65000"/>
+          </a:schemeClr>
+        </a:solidFill>
+        <a:round/>
+      </a:ln>
+    </cs:spPr>
+  </cs:dropLine>
+  <cs:errorBar>
+    <cs:lnRef idx="0"/>
+    <cs:fillRef idx="0"/>
+    <cs:effectRef idx="0"/>
+    <cs:fontRef idx="minor">
+      <a:schemeClr val="tx1"/>
+    </cs:fontRef>
+    <cs:spPr>
+      <a:ln w="9525" cap="flat" cmpd="sng" algn="ctr">
+        <a:solidFill>
+          <a:schemeClr val="tx1">
+            <a:lumMod val="65000"/>
+            <a:lumOff val="35000"/>
+          </a:schemeClr>
+        </a:solidFill>
+        <a:round/>
+      </a:ln>
+    </cs:spPr>
+  </cs:errorBar>
+  <cs:floor>
+    <cs:lnRef idx="0"/>
+    <cs:fillRef idx="0"/>
+    <cs:effectRef idx="0"/>
+    <cs:fontRef idx="minor">
+      <a:schemeClr val="tx1"/>
+    </cs:fontRef>
+    <cs:spPr>
+      <a:noFill/>
+      <a:ln>
+        <a:noFill/>
+      </a:ln>
+    </cs:spPr>
+  </cs:floor>
+  <cs:gridlineMajor>
+    <cs:lnRef idx="0"/>
+    <cs:fillRef idx="0"/>
+    <cs:effectRef idx="0"/>
+    <cs:fontRef idx="minor">
+      <a:schemeClr val="tx1"/>
+    </cs:fontRef>
+    <cs:spPr>
+      <a:ln w="9525" cap="flat" cmpd="sng" algn="ctr">
+        <a:solidFill>
+          <a:schemeClr val="tx1">
+            <a:lumMod val="15000"/>
+            <a:lumOff val="85000"/>
+          </a:schemeClr>
+        </a:solidFill>
+        <a:round/>
+      </a:ln>
+    </cs:spPr>
+  </cs:gridlineMajor>
+  <cs:gridlineMinor>
+    <cs:lnRef idx="0"/>
+    <cs:fillRef idx="0"/>
+    <cs:effectRef idx="0"/>
+    <cs:fontRef idx="minor">
+      <a:schemeClr val="tx1"/>
+    </cs:fontRef>
+    <cs:spPr>
+      <a:ln w="9525" cap="flat" cmpd="sng" algn="ctr">
+        <a:solidFill>
+          <a:schemeClr val="tx1">
+            <a:lumMod val="5000"/>
+            <a:lumOff val="95000"/>
+          </a:schemeClr>
+        </a:solidFill>
+        <a:round/>
+      </a:ln>
+    </cs:spPr>
+  </cs:gridlineMinor>
+  <cs:hiLoLine>
+    <cs:lnRef idx="0"/>
+    <cs:fillRef idx="0"/>
+    <cs:effectRef idx="0"/>
+    <cs:fontRef idx="minor">
+      <a:schemeClr val="tx1"/>
+    </cs:fontRef>
+    <cs:spPr>
+      <a:ln w="9525" cap="flat" cmpd="sng" algn="ctr">
+        <a:solidFill>
+          <a:schemeClr val="tx1">
+            <a:lumMod val="75000"/>
+            <a:lumOff val="25000"/>
+          </a:schemeClr>
+        </a:solidFill>
+        <a:round/>
+      </a:ln>
+    </cs:spPr>
+  </cs:hiLoLine>
+  <cs:leaderLine>
+    <cs:lnRef idx="0"/>
+    <cs:fillRef idx="0"/>
+    <cs:effectRef idx="0"/>
+    <cs:fontRef idx="minor">
+      <a:schemeClr val="tx1"/>
+    </cs:fontRef>
+    <cs:spPr>
+      <a:ln w="9525" cap="flat" cmpd="sng" algn="ctr">
+        <a:solidFill>
+          <a:schemeClr val="tx1">
+            <a:lumMod val="35000"/>
+            <a:lumOff val="65000"/>
+          </a:schemeClr>
+        </a:solidFill>
+        <a:round/>
+      </a:ln>
+    </cs:spPr>
+  </cs:leaderLine>
+  <cs:legend>
+    <cs:lnRef idx="0"/>
+    <cs:fillRef idx="0"/>
+    <cs:effectRef idx="0"/>
+    <cs:fontRef idx="minor">
+      <a:schemeClr val="tx1">
+        <a:lumMod val="65000"/>
+        <a:lumOff val="35000"/>
+      </a:schemeClr>
+    </cs:fontRef>
+    <cs:defRPr sz="900" kern="1200"/>
+  </cs:legend>
+  <cs:plotArea mods="allowNoFillOverride allowNoLineOverride">
+    <cs:lnRef idx="0"/>
+    <cs:fillRef idx="0"/>
+    <cs:effectRef idx="0"/>
+    <cs:fontRef idx="minor">
+      <a:schemeClr val="tx1"/>
+    </cs:fontRef>
+  </cs:plotArea>
+  <cs:plotArea3D mods="allowNoFillOverride allowNoLineOverride">
+    <cs:lnRef idx="0"/>
+    <cs:fillRef idx="0"/>
+    <cs:effectRef idx="0"/>
+    <cs:fontRef idx="minor">
+      <a:schemeClr val="tx1"/>
+    </cs:fontRef>
+  </cs:plotArea3D>
+  <cs:seriesAxis>
+    <cs:lnRef idx="0"/>
+    <cs:fillRef idx="0"/>
+    <cs:effectRef idx="0"/>
+    <cs:fontRef idx="minor">
+      <a:schemeClr val="tx1">
+        <a:lumMod val="65000"/>
+        <a:lumOff val="35000"/>
+      </a:schemeClr>
+    </cs:fontRef>
+    <cs:spPr>
+      <a:ln w="9525" cap="flat" cmpd="sng" algn="ctr">
+        <a:solidFill>
+          <a:schemeClr val="tx1">
+            <a:lumMod val="15000"/>
+            <a:lumOff val="85000"/>
+          </a:schemeClr>
+        </a:solidFill>
+        <a:round/>
+      </a:ln>
+    </cs:spPr>
+    <cs:defRPr sz="900" kern="1200"/>
+  </cs:seriesAxis>
+  <cs:seriesLine>
+    <cs:lnRef idx="0"/>
+    <cs:fillRef idx="0"/>
+    <cs:effectRef idx="0"/>
+    <cs:fontRef idx="minor">
+      <a:schemeClr val="tx1"/>
+    </cs:fontRef>
+    <cs:spPr>
+      <a:ln w="9525" cap="flat" cmpd="sng" algn="ctr">
+        <a:solidFill>
+          <a:schemeClr val="tx1">
+            <a:lumMod val="35000"/>
+            <a:lumOff val="65000"/>
+          </a:schemeClr>
+        </a:solidFill>
+        <a:round/>
+      </a:ln>
+    </cs:spPr>
+  </cs:seriesLine>
+  <cs:title>
+    <cs:lnRef idx="0"/>
+    <cs:fillRef idx="0"/>
+    <cs:effectRef idx="0"/>
+    <cs:fontRef idx="minor">
+      <a:schemeClr val="tx1">
+        <a:lumMod val="65000"/>
+        <a:lumOff val="35000"/>
+      </a:schemeClr>
+    </cs:fontRef>
+    <cs:defRPr sz="1400" b="0" kern="1200" spc="0" baseline="0"/>
+  </cs:title>
+  <cs:trendline>
+    <cs:lnRef idx="0">
+      <cs:styleClr val="auto"/>
+    </cs:lnRef>
+    <cs:fillRef idx="0"/>
+    <cs:effectRef idx="0"/>
+    <cs:fontRef idx="minor">
+      <a:schemeClr val="tx1"/>
+    </cs:fontRef>
+    <cs:spPr>
+      <a:ln w="19050" cap="rnd">
+        <a:solidFill>
+          <a:schemeClr val="phClr"/>
+        </a:solidFill>
+        <a:prstDash val="sysDot"/>
+      </a:ln>
+    </cs:spPr>
+  </cs:trendline>
+  <cs:trendlineLabel>
+    <cs:lnRef idx="0"/>
+    <cs:fillRef idx="0"/>
+    <cs:effectRef idx="0"/>
+    <cs:fontRef idx="minor">
+      <a:schemeClr val="tx1">
+        <a:lumMod val="65000"/>
+        <a:lumOff val="35000"/>
+      </a:schemeClr>
+    </cs:fontRef>
+    <cs:defRPr sz="900" kern="1200"/>
+  </cs:trendlineLabel>
+  <cs:upBar>
+    <cs:lnRef idx="0"/>
+    <cs:fillRef idx="0"/>
+    <cs:effectRef idx="0"/>
+    <cs:fontRef idx="minor">
+      <a:schemeClr val="tx1"/>
+    </cs:fontRef>
+    <cs:spPr>
+      <a:solidFill>
+        <a:schemeClr val="lt1"/>
+      </a:solidFill>
+      <a:ln w="9525" cap="flat" cmpd="sng" algn="ctr">
+        <a:solidFill>
+          <a:schemeClr val="tx1">
+            <a:lumMod val="65000"/>
+            <a:lumOff val="35000"/>
+          </a:schemeClr>
+        </a:solidFill>
+        <a:round/>
+      </a:ln>
+    </cs:spPr>
+  </cs:upBar>
+  <cs:valueAxis>
+    <cs:lnRef idx="0"/>
+    <cs:fillRef idx="0"/>
+    <cs:effectRef idx="0"/>
+    <cs:fontRef idx="minor">
+      <a:schemeClr val="tx1">
+        <a:lumMod val="65000"/>
+        <a:lumOff val="35000"/>
+      </a:schemeClr>
+    </cs:fontRef>
+    <cs:defRPr sz="900" kern="1200"/>
+  </cs:valueAxis>
+  <cs:wall>
+    <cs:lnRef idx="0"/>
+    <cs:fillRef idx="0"/>
+    <cs:effectRef idx="0"/>
+    <cs:fontRef idx="minor">
+      <a:schemeClr val="tx1"/>
+    </cs:fontRef>
+    <cs:spPr>
+      <a:noFill/>
+      <a:ln>
+        <a:noFill/>
+      </a:ln>
+    </cs:spPr>
+  </cs:wall>
+</cs:chartStyle>
+</file>
+
 <file path=ppt/notesMasters/notesMaster1.xml><?xml version="1.0" encoding="utf-8"?>
 <p:notesMaster xmlns:a="http://schemas.openxmlformats.org/drawingml/2006/main" xmlns:r="http://schemas.openxmlformats.org/officeDocument/2006/relationships" xmlns:p="http://schemas.openxmlformats.org/presentationml/2006/main">
   <p:cSld>
@@ -5944,7 +7341,7 @@
           <a:p>
             <a:fld id="{9559C19A-C353-414D-9E15-620F62EA3C3D}" type="datetimeFigureOut">
               <a:rPr lang="ar-SA" smtClean="0"/>
-              <a:t>4 ربيع الأول، 1445</a:t>
+              <a:t>8 ربيع الأول، 1445</a:t>
             </a:fld>
             <a:endParaRPr lang="ar-SA"/>
           </a:p>
@@ -6524,7 +7921,7 @@
           <a:p>
             <a:fld id="{E514795A-1AEA-234A-81BD-54702DEF5DCD}" type="datetimeFigureOut">
               <a:rPr lang="ar-SA" smtClean="0"/>
-              <a:t>4 ربيع الأول، 1445</a:t>
+              <a:t>8 ربيع الأول، 1445</a:t>
             </a:fld>
             <a:endParaRPr lang="ar-SA"/>
           </a:p>
@@ -6858,7 +8255,7 @@
           <a:p>
             <a:fld id="{E514795A-1AEA-234A-81BD-54702DEF5DCD}" type="datetimeFigureOut">
               <a:rPr lang="ar-SA" smtClean="0"/>
-              <a:t>4 ربيع الأول، 1445</a:t>
+              <a:t>8 ربيع الأول، 1445</a:t>
             </a:fld>
             <a:endParaRPr lang="ar-SA"/>
           </a:p>
@@ -7136,7 +8533,7 @@
           <a:p>
             <a:fld id="{E514795A-1AEA-234A-81BD-54702DEF5DCD}" type="datetimeFigureOut">
               <a:rPr lang="ar-SA" smtClean="0"/>
-              <a:t>4 ربيع الأول، 1445</a:t>
+              <a:t>8 ربيع الأول، 1445</a:t>
             </a:fld>
             <a:endParaRPr lang="ar-SA"/>
           </a:p>
@@ -7704,7 +9101,7 @@
           <a:p>
             <a:fld id="{E514795A-1AEA-234A-81BD-54702DEF5DCD}" type="datetimeFigureOut">
               <a:rPr lang="ar-SA" smtClean="0"/>
-              <a:t>4 ربيع الأول، 1445</a:t>
+              <a:t>8 ربيع الأول، 1445</a:t>
             </a:fld>
             <a:endParaRPr lang="ar-SA"/>
           </a:p>
@@ -7982,7 +9379,7 @@
           <a:p>
             <a:fld id="{E514795A-1AEA-234A-81BD-54702DEF5DCD}" type="datetimeFigureOut">
               <a:rPr lang="ar-SA" smtClean="0"/>
-              <a:t>4 ربيع الأول، 1445</a:t>
+              <a:t>8 ربيع الأول، 1445</a:t>
             </a:fld>
             <a:endParaRPr lang="ar-SA"/>
           </a:p>
@@ -8544,7 +9941,7 @@
           <a:p>
             <a:fld id="{E514795A-1AEA-234A-81BD-54702DEF5DCD}" type="datetimeFigureOut">
               <a:rPr lang="ar-SA" smtClean="0"/>
-              <a:t>4 ربيع الأول، 1445</a:t>
+              <a:t>8 ربيع الأول، 1445</a:t>
             </a:fld>
             <a:endParaRPr lang="ar-SA"/>
           </a:p>
@@ -8871,7 +10268,7 @@
           <a:p>
             <a:fld id="{E514795A-1AEA-234A-81BD-54702DEF5DCD}" type="datetimeFigureOut">
               <a:rPr lang="ar-SA" smtClean="0"/>
-              <a:t>4 ربيع الأول، 1445</a:t>
+              <a:t>8 ربيع الأول، 1445</a:t>
             </a:fld>
             <a:endParaRPr lang="ar-SA"/>
           </a:p>
@@ -9048,7 +10445,7 @@
           <a:p>
             <a:fld id="{E514795A-1AEA-234A-81BD-54702DEF5DCD}" type="datetimeFigureOut">
               <a:rPr lang="ar-SA" smtClean="0"/>
-              <a:t>4 ربيع الأول، 1445</a:t>
+              <a:t>8 ربيع الأول، 1445</a:t>
             </a:fld>
             <a:endParaRPr lang="ar-SA"/>
           </a:p>
@@ -9286,7 +10683,7 @@
           <a:p>
             <a:fld id="{E514795A-1AEA-234A-81BD-54702DEF5DCD}" type="datetimeFigureOut">
               <a:rPr lang="ar-SA" smtClean="0"/>
-              <a:t>4 ربيع الأول، 1445</a:t>
+              <a:t>8 ربيع الأول، 1445</a:t>
             </a:fld>
             <a:endParaRPr lang="ar-SA"/>
           </a:p>
@@ -9486,7 +10883,7 @@
           <a:p>
             <a:fld id="{E514795A-1AEA-234A-81BD-54702DEF5DCD}" type="datetimeFigureOut">
               <a:rPr lang="ar-SA" smtClean="0"/>
-              <a:t>4 ربيع الأول، 1445</a:t>
+              <a:t>8 ربيع الأول، 1445</a:t>
             </a:fld>
             <a:endParaRPr lang="ar-SA"/>
           </a:p>
@@ -9762,7 +11159,7 @@
           <a:p>
             <a:fld id="{E514795A-1AEA-234A-81BD-54702DEF5DCD}" type="datetimeFigureOut">
               <a:rPr lang="ar-SA" smtClean="0"/>
-              <a:t>4 ربيع الأول، 1445</a:t>
+              <a:t>8 ربيع الأول، 1445</a:t>
             </a:fld>
             <a:endParaRPr lang="ar-SA"/>
           </a:p>
@@ -10028,7 +11425,7 @@
           <a:p>
             <a:fld id="{E514795A-1AEA-234A-81BD-54702DEF5DCD}" type="datetimeFigureOut">
               <a:rPr lang="ar-SA" smtClean="0"/>
-              <a:t>4 ربيع الأول، 1445</a:t>
+              <a:t>8 ربيع الأول، 1445</a:t>
             </a:fld>
             <a:endParaRPr lang="ar-SA"/>
           </a:p>
@@ -10402,7 +11799,7 @@
           <a:p>
             <a:fld id="{E514795A-1AEA-234A-81BD-54702DEF5DCD}" type="datetimeFigureOut">
               <a:rPr lang="ar-SA" smtClean="0"/>
-              <a:t>4 ربيع الأول، 1445</a:t>
+              <a:t>8 ربيع الأول، 1445</a:t>
             </a:fld>
             <a:endParaRPr lang="ar-SA"/>
           </a:p>
@@ -10550,7 +11947,7 @@
           <a:p>
             <a:fld id="{E514795A-1AEA-234A-81BD-54702DEF5DCD}" type="datetimeFigureOut">
               <a:rPr lang="ar-SA" smtClean="0"/>
-              <a:t>4 ربيع الأول، 1445</a:t>
+              <a:t>8 ربيع الأول، 1445</a:t>
             </a:fld>
             <a:endParaRPr lang="ar-SA"/>
           </a:p>
@@ -10675,7 +12072,7 @@
           <a:p>
             <a:fld id="{E514795A-1AEA-234A-81BD-54702DEF5DCD}" type="datetimeFigureOut">
               <a:rPr lang="ar-SA" smtClean="0"/>
-              <a:t>4 ربيع الأول، 1445</a:t>
+              <a:t>8 ربيع الأول، 1445</a:t>
             </a:fld>
             <a:endParaRPr lang="ar-SA"/>
           </a:p>
@@ -10960,7 +12357,7 @@
           <a:p>
             <a:fld id="{E514795A-1AEA-234A-81BD-54702DEF5DCD}" type="datetimeFigureOut">
               <a:rPr lang="ar-SA" smtClean="0"/>
-              <a:t>4 ربيع الأول، 1445</a:t>
+              <a:t>8 ربيع الأول، 1445</a:t>
             </a:fld>
             <a:endParaRPr lang="ar-SA"/>
           </a:p>
@@ -11284,7 +12681,7 @@
           <a:p>
             <a:fld id="{E514795A-1AEA-234A-81BD-54702DEF5DCD}" type="datetimeFigureOut">
               <a:rPr lang="ar-SA" smtClean="0"/>
-              <a:t>4 ربيع الأول، 1445</a:t>
+              <a:t>8 ربيع الأول، 1445</a:t>
             </a:fld>
             <a:endParaRPr lang="ar-SA"/>
           </a:p>
@@ -11498,7 +12895,7 @@
           <a:p>
             <a:fld id="{E514795A-1AEA-234A-81BD-54702DEF5DCD}" type="datetimeFigureOut">
               <a:rPr lang="ar-SA" smtClean="0"/>
-              <a:t>4 ربيع الأول، 1445</a:t>
+              <a:t>8 ربيع الأول، 1445</a:t>
             </a:fld>
             <a:endParaRPr lang="ar-SA"/>
           </a:p>
@@ -19033,92 +20430,6 @@
 <file path=ppt/slides/slide4.xml><?xml version="1.0" encoding="utf-8"?>
 <p:sld xmlns:a="http://schemas.openxmlformats.org/drawingml/2006/main" xmlns:r="http://schemas.openxmlformats.org/officeDocument/2006/relationships" xmlns:p="http://schemas.openxmlformats.org/presentationml/2006/main">
   <p:cSld>
-    <p:spTree>
-      <p:nvGrpSpPr>
-        <p:cNvPr id="1" name=""/>
-        <p:cNvGrpSpPr/>
-        <p:nvPr/>
-      </p:nvGrpSpPr>
-      <p:grpSpPr>
-        <a:xfrm>
-          <a:off x="0" y="0"/>
-          <a:ext cx="0" cy="0"/>
-          <a:chOff x="0" y="0"/>
-          <a:chExt cx="0" cy="0"/>
-        </a:xfrm>
-      </p:grpSpPr>
-      <p:sp>
-        <p:nvSpPr>
-          <p:cNvPr id="2" name="عنوان 1">
-            <a:extLst>
-              <a:ext uri="{FF2B5EF4-FFF2-40B4-BE49-F238E27FC236}">
-                <a16:creationId xmlns:a16="http://schemas.microsoft.com/office/drawing/2014/main" id="{E8EA1449-8693-43D1-E3BE-3C8676A88673}"/>
-              </a:ext>
-            </a:extLst>
-          </p:cNvPr>
-          <p:cNvSpPr>
-            <a:spLocks noGrp="1"/>
-          </p:cNvSpPr>
-          <p:nvPr>
-            <p:ph type="title"/>
-          </p:nvPr>
-        </p:nvSpPr>
-        <p:spPr/>
-        <p:txBody>
-          <a:bodyPr/>
-          <a:lstStyle/>
-          <a:p>
-            <a:pPr algn="r" defTabSz="457200" rtl="1" eaLnBrk="1" latinLnBrk="0" hangingPunct="1">
-              <a:spcBef>
-                <a:spcPct val="0"/>
-              </a:spcBef>
-              <a:buNone/>
-            </a:pPr>
-            <a:endParaRPr lang="ar-SA" dirty="0"/>
-          </a:p>
-        </p:txBody>
-      </p:sp>
-      <p:sp>
-        <p:nvSpPr>
-          <p:cNvPr id="3" name="عنصر نائب للمحتوى 2">
-            <a:extLst>
-              <a:ext uri="{FF2B5EF4-FFF2-40B4-BE49-F238E27FC236}">
-                <a16:creationId xmlns:a16="http://schemas.microsoft.com/office/drawing/2014/main" id="{311EDDCF-B47C-4655-FC46-2D7A61B9A14A}"/>
-              </a:ext>
-            </a:extLst>
-          </p:cNvPr>
-          <p:cNvSpPr>
-            <a:spLocks noGrp="1"/>
-          </p:cNvSpPr>
-          <p:nvPr>
-            <p:ph idx="1"/>
-          </p:nvPr>
-        </p:nvSpPr>
-        <p:spPr/>
-        <p:txBody>
-          <a:bodyPr/>
-          <a:lstStyle/>
-          <a:p>
-            <a:endParaRPr lang="ar-SA" dirty="0"/>
-          </a:p>
-        </p:txBody>
-      </p:sp>
-    </p:spTree>
-    <p:extLst>
-      <p:ext uri="{BB962C8B-B14F-4D97-AF65-F5344CB8AC3E}">
-        <p14:creationId xmlns:p14="http://schemas.microsoft.com/office/powerpoint/2010/main" val="1957027224"/>
-      </p:ext>
-    </p:extLst>
-  </p:cSld>
-  <p:clrMapOvr>
-    <a:masterClrMapping/>
-  </p:clrMapOvr>
-</p:sld>
-</file>
-
-<file path=ppt/slides/slide5.xml><?xml version="1.0" encoding="utf-8"?>
-<p:sld xmlns:a="http://schemas.openxmlformats.org/drawingml/2006/main" xmlns:r="http://schemas.openxmlformats.org/officeDocument/2006/relationships" xmlns:p="http://schemas.openxmlformats.org/presentationml/2006/main">
-  <p:cSld>
     <p:bg>
       <p:bgPr>
         <a:solidFill>
@@ -19485,7 +20796,7 @@
 </p:sld>
 </file>
 
-<file path=ppt/slides/slide6.xml><?xml version="1.0" encoding="utf-8"?>
+<file path=ppt/slides/slide5.xml><?xml version="1.0" encoding="utf-8"?>
 <p:sld xmlns:a="http://schemas.openxmlformats.org/drawingml/2006/main" xmlns:r="http://schemas.openxmlformats.org/officeDocument/2006/relationships" xmlns:p="http://schemas.openxmlformats.org/presentationml/2006/main">
   <p:cSld>
     <p:bg>
@@ -19512,7 +20823,7 @@
       </p:grpSpPr>
       <p:sp useBgFill="1">
         <p:nvSpPr>
-          <p:cNvPr id="9" name="Rectangle 8">
+          <p:cNvPr id="25" name="Rectangle 24">
             <a:extLst>
               <a:ext uri="{FF2B5EF4-FFF2-40B4-BE49-F238E27FC236}">
                 <a16:creationId xmlns:a16="http://schemas.microsoft.com/office/drawing/2014/main" id="{75F65CD9-825D-44BD-8681-D42D260D4C63}"/>
@@ -19572,7 +20883,7 @@
       </p:sp>
       <p:sp>
         <p:nvSpPr>
-          <p:cNvPr id="11" name="Freeform: Shape 10">
+          <p:cNvPr id="27" name="Freeform: Shape 26">
             <a:extLst>
               <a:ext uri="{FF2B5EF4-FFF2-40B4-BE49-F238E27FC236}">
                 <a16:creationId xmlns:a16="http://schemas.microsoft.com/office/drawing/2014/main" id="{B2F64C47-BE0B-4DA4-A62F-C6922DD2082F}"/>
@@ -19744,19 +21055,23 @@
         </p:nvSpPr>
         <p:spPr>
           <a:xfrm>
-            <a:off x="134112" y="643466"/>
-            <a:ext cx="3142489" cy="4995333"/>
+            <a:off x="407773" y="643466"/>
+            <a:ext cx="2868827" cy="4995333"/>
           </a:xfrm>
         </p:spPr>
         <p:txBody>
           <a:bodyPr>
-            <a:noAutofit/>
+            <a:normAutofit/>
           </a:bodyPr>
           <a:lstStyle/>
           <a:p>
-            <a:pPr algn="ctr"/>
+            <a:pPr algn="ctr">
+              <a:lnSpc>
+                <a:spcPct val="90000"/>
+              </a:lnSpc>
+            </a:pPr>
             <a:r>
-              <a:rPr lang="ar-SA" sz="2400" dirty="0">
+              <a:rPr lang="ar-SA" sz="2000" dirty="0">
                 <a:solidFill>
                   <a:srgbClr val="FFFFFF"/>
                 </a:solidFill>
@@ -19764,26 +21079,42 @@
               <a:t>نلاحظ أن هناك انخفاض في عدد مستخدمين تطبيق نُسُك في عام ١٤٤٤هـ مقارنةً بعام ١٤٤٣هـ. </a:t>
             </a:r>
             <a:br>
-              <a:rPr lang="ar-SA" sz="2400" dirty="0">
+              <a:rPr lang="ar-SA" sz="2000" dirty="0">
                 <a:solidFill>
                   <a:srgbClr val="FFFFFF"/>
                 </a:solidFill>
               </a:rPr>
             </a:br>
             <a:r>
+              <a:rPr lang="ar-SA" sz="2000" dirty="0">
+                <a:solidFill>
+                  <a:srgbClr val="FFFFFF"/>
+                </a:solidFill>
+              </a:rPr>
+              <a:t>حيث انخفض عدد </a:t>
+            </a:r>
+            <a:r>
               <a:rPr lang="ar-SA" sz="2400" dirty="0">
                 <a:solidFill>
                   <a:srgbClr val="FFFFFF"/>
                 </a:solidFill>
               </a:rPr>
-              <a:t>حيث انخفض عدد المستخدمين بنسبة ٥٪ تقريباً أي بما يقارب ٧٥٣،٣٣٥ مستخدم.</a:t>
+              <a:t>المستخدمين</a:t>
+            </a:r>
+            <a:r>
+              <a:rPr lang="ar-SA" sz="2000" dirty="0">
+                <a:solidFill>
+                  <a:srgbClr val="FFFFFF"/>
+                </a:solidFill>
+              </a:rPr>
+              <a:t> بنسبة ٥٪ تقريباً أي بما يقارب ٧٥٣،٣٣٥ مستخدم.</a:t>
             </a:r>
           </a:p>
         </p:txBody>
       </p:sp>
       <p:graphicFrame>
         <p:nvGraphicFramePr>
-          <p:cNvPr id="4" name="عنصر نائب للمحتوى 3">
+          <p:cNvPr id="22" name="مخطط 9">
             <a:extLst>
               <a:ext uri="{FF2B5EF4-FFF2-40B4-BE49-F238E27FC236}">
                 <a16:creationId xmlns:a16="http://schemas.microsoft.com/office/drawing/2014/main" id="{1F31608F-9E24-1BAF-9BFA-EE465247B2ED}"/>
@@ -19797,7 +21128,7 @@
             <p:ph idx="1"/>
             <p:extLst>
               <p:ext uri="{D42A27DB-BD31-4B8C-83A1-F6EECF244321}">
-                <p14:modId xmlns:p14="http://schemas.microsoft.com/office/powerpoint/2010/main" val="3378145976"/>
+                <p14:modId xmlns:p14="http://schemas.microsoft.com/office/powerpoint/2010/main" val="1307336076"/>
               </p:ext>
             </p:extLst>
           </p:nvPr>
@@ -19825,7 +21156,7 @@
 </p:sld>
 </file>
 
-<file path=ppt/slides/slide7.xml><?xml version="1.0" encoding="utf-8"?>
+<file path=ppt/slides/slide6.xml><?xml version="1.0" encoding="utf-8"?>
 <p:sld xmlns:a="http://schemas.openxmlformats.org/drawingml/2006/main" xmlns:r="http://schemas.openxmlformats.org/officeDocument/2006/relationships" xmlns:p="http://schemas.openxmlformats.org/presentationml/2006/main">
   <p:cSld>
     <p:bg>
@@ -19852,7 +21183,7 @@
       </p:grpSpPr>
       <p:sp>
         <p:nvSpPr>
-          <p:cNvPr id="24" name="Rectangle 23">
+          <p:cNvPr id="44" name="Rectangle 43">
             <a:extLst>
               <a:ext uri="{FF2B5EF4-FFF2-40B4-BE49-F238E27FC236}">
                 <a16:creationId xmlns:a16="http://schemas.microsoft.com/office/drawing/2014/main" id="{77580997-46DA-48C1-9929-FE4F5CE96256}"/>
@@ -19912,7 +21243,7 @@
       </p:sp>
       <p:pic>
         <p:nvPicPr>
-          <p:cNvPr id="26" name="Picture 25">
+          <p:cNvPr id="46" name="Picture 45">
             <a:extLst>
               <a:ext uri="{FF2B5EF4-FFF2-40B4-BE49-F238E27FC236}">
                 <a16:creationId xmlns:a16="http://schemas.microsoft.com/office/drawing/2014/main" id="{93F92867-10AA-410C-8AD1-2D2DBFE3FA0B}"/>
@@ -19973,17 +21304,17 @@
         </p:nvSpPr>
         <p:spPr>
           <a:xfrm>
-            <a:off x="8075999" y="785401"/>
+            <a:off x="8130475" y="814943"/>
             <a:ext cx="3462530" cy="5575439"/>
           </a:xfrm>
         </p:spPr>
         <p:txBody>
           <a:bodyPr>
-            <a:noAutofit/>
+            <a:normAutofit/>
           </a:bodyPr>
           <a:lstStyle/>
           <a:p>
-            <a:pPr algn="ctr">
+            <a:pPr>
               <a:lnSpc>
                 <a:spcPct val="90000"/>
               </a:lnSpc>
@@ -20042,7 +21373,373 @@
       </p:sp>
       <p:sp useBgFill="1">
         <p:nvSpPr>
-          <p:cNvPr id="28" name="Rounded Rectangle 3">
+          <p:cNvPr id="48" name="Rounded Rectangle 3">
+            <a:extLst>
+              <a:ext uri="{FF2B5EF4-FFF2-40B4-BE49-F238E27FC236}">
+                <a16:creationId xmlns:a16="http://schemas.microsoft.com/office/drawing/2014/main" id="{80A7F0DD-3DB5-48D0-A338-52932ECF5681}"/>
+              </a:ext>
+              <a:ext uri="{C183D7F6-B498-43B3-948B-1728B52AA6E4}">
+                <adec:decorative xmlns:adec="http://schemas.microsoft.com/office/drawing/2017/decorative" val="1"/>
+              </a:ext>
+            </a:extLst>
+          </p:cNvPr>
+          <p:cNvSpPr>
+            <a:spLocks noGrp="1" noRot="1" noChangeAspect="1" noMove="1" noResize="1" noEditPoints="1" noAdjustHandles="1" noChangeArrowheads="1" noChangeShapeType="1" noTextEdit="1"/>
+          </p:cNvSpPr>
+          <p:nvPr>
+            <p:extLst>
+              <p:ext uri="{386F3935-93C4-4BCD-93E2-E3B085C9AB24}">
+                <p16:designElem xmlns:p16="http://schemas.microsoft.com/office/powerpoint/2015/main" val="1"/>
+              </p:ext>
+            </p:extLst>
+          </p:nvPr>
+        </p:nvSpPr>
+        <p:spPr>
+          <a:xfrm>
+            <a:off x="653471" y="639097"/>
+            <a:ext cx="6881185" cy="5575439"/>
+          </a:xfrm>
+          <a:prstGeom prst="roundRect">
+            <a:avLst>
+              <a:gd name="adj" fmla="val 5310"/>
+            </a:avLst>
+          </a:prstGeom>
+          <a:ln w="50800" cap="sq" cmpd="dbl">
+            <a:gradFill flip="none" rotWithShape="1">
+              <a:gsLst>
+                <a:gs pos="0">
+                  <a:srgbClr val="FFFFFF"/>
+                </a:gs>
+                <a:gs pos="100000">
+                  <a:schemeClr val="tx1">
+                    <a:alpha val="0"/>
+                  </a:schemeClr>
+                </a:gs>
+              </a:gsLst>
+              <a:path path="circle">
+                <a:fillToRect l="50000" t="50000" r="50000" b="50000"/>
+              </a:path>
+              <a:tileRect/>
+            </a:gradFill>
+            <a:miter lim="800000"/>
+          </a:ln>
+          <a:effectLst>
+            <a:outerShdw blurRad="254000" algn="tl" rotWithShape="0">
+              <a:srgbClr val="000000">
+                <a:alpha val="43000"/>
+              </a:srgbClr>
+            </a:outerShdw>
+          </a:effectLst>
+        </p:spPr>
+        <p:txBody>
+          <a:bodyPr vert="horz" lIns="91440" tIns="45720" rIns="91440" bIns="45720" rtlCol="0" anchor="t">
+            <a:normAutofit/>
+          </a:bodyPr>
+          <a:lstStyle/>
+          <a:p>
+            <a:pPr algn="ctr" defTabSz="457200">
+              <a:spcAft>
+                <a:spcPts val="1000"/>
+              </a:spcAft>
+              <a:buClr>
+                <a:schemeClr val="tx1"/>
+              </a:buClr>
+              <a:buSzPct val="100000"/>
+              <a:buFont typeface="Arial"/>
+              <a:buNone/>
+            </a:pPr>
+            <a:endParaRPr lang="en-US" sz="1600" cap="all">
+              <a:solidFill>
+                <a:schemeClr val="tx1"/>
+              </a:solidFill>
+            </a:endParaRPr>
+          </a:p>
+        </p:txBody>
+      </p:sp>
+      <p:sp>
+        <p:nvSpPr>
+          <p:cNvPr id="6" name="مربع نص 5">
+            <a:extLst>
+              <a:ext uri="{FF2B5EF4-FFF2-40B4-BE49-F238E27FC236}">
+                <a16:creationId xmlns:a16="http://schemas.microsoft.com/office/drawing/2014/main" id="{6B91C75F-0F46-0FA8-DD59-7989E62785C6}"/>
+              </a:ext>
+            </a:extLst>
+          </p:cNvPr>
+          <p:cNvSpPr txBox="1"/>
+          <p:nvPr/>
+        </p:nvSpPr>
+        <p:spPr>
+          <a:xfrm>
+            <a:off x="-876708" y="-111211"/>
+            <a:ext cx="184730" cy="369332"/>
+          </a:xfrm>
+          <a:prstGeom prst="rect">
+            <a:avLst/>
+          </a:prstGeom>
+          <a:noFill/>
+        </p:spPr>
+        <p:txBody>
+          <a:bodyPr wrap="none" rtlCol="1">
+            <a:spAutoFit/>
+          </a:bodyPr>
+          <a:lstStyle/>
+          <a:p>
+            <a:pPr marL="0" algn="r" defTabSz="457200" rtl="1" eaLnBrk="1" latinLnBrk="0" hangingPunct="1"/>
+            <a:endParaRPr lang="ar-SA" dirty="0"/>
+          </a:p>
+        </p:txBody>
+      </p:sp>
+      <p:graphicFrame>
+        <p:nvGraphicFramePr>
+          <p:cNvPr id="41" name="مخطط 8">
+            <a:extLst>
+              <a:ext uri="{FF2B5EF4-FFF2-40B4-BE49-F238E27FC236}">
+                <a16:creationId xmlns:a16="http://schemas.microsoft.com/office/drawing/2014/main" id="{BE3202DF-65A0-8C9F-2DFB-4B92B0E820E5}"/>
+              </a:ext>
+            </a:extLst>
+          </p:cNvPr>
+          <p:cNvGraphicFramePr>
+            <a:graphicFrameLocks noGrp="1"/>
+          </p:cNvGraphicFramePr>
+          <p:nvPr>
+            <p:ph idx="1"/>
+            <p:extLst>
+              <p:ext uri="{D42A27DB-BD31-4B8C-83A1-F6EECF244321}">
+                <p14:modId xmlns:p14="http://schemas.microsoft.com/office/powerpoint/2010/main" val="2592763638"/>
+              </p:ext>
+            </p:extLst>
+          </p:nvPr>
+        </p:nvGraphicFramePr>
+        <p:xfrm>
+          <a:off x="1286934" y="1282565"/>
+          <a:ext cx="5604255" cy="4334464"/>
+        </p:xfrm>
+        <a:graphic>
+          <a:graphicData uri="http://schemas.openxmlformats.org/drawingml/2006/chart">
+            <c:chart xmlns:c="http://schemas.openxmlformats.org/drawingml/2006/chart" xmlns:r="http://schemas.openxmlformats.org/officeDocument/2006/relationships" r:id="rId3"/>
+          </a:graphicData>
+        </a:graphic>
+      </p:graphicFrame>
+    </p:spTree>
+    <p:extLst>
+      <p:ext uri="{BB962C8B-B14F-4D97-AF65-F5344CB8AC3E}">
+        <p14:creationId xmlns:p14="http://schemas.microsoft.com/office/powerpoint/2010/main" val="3964188148"/>
+      </p:ext>
+    </p:extLst>
+  </p:cSld>
+  <p:clrMapOvr>
+    <a:overrideClrMapping bg1="lt1" tx1="dk1" bg2="lt2" tx2="dk2" accent1="accent1" accent2="accent2" accent3="accent3" accent4="accent4" accent5="accent5" accent6="accent6" hlink="hlink" folHlink="folHlink"/>
+  </p:clrMapOvr>
+</p:sld>
+</file>
+
+<file path=ppt/slides/slide7.xml><?xml version="1.0" encoding="utf-8"?>
+<p:sld xmlns:a="http://schemas.openxmlformats.org/drawingml/2006/main" xmlns:r="http://schemas.openxmlformats.org/officeDocument/2006/relationships" xmlns:p="http://schemas.openxmlformats.org/presentationml/2006/main">
+  <p:cSld>
+    <p:bg>
+      <p:bgPr>
+        <a:solidFill>
+          <a:schemeClr val="bg1"/>
+        </a:solidFill>
+        <a:effectLst/>
+      </p:bgPr>
+    </p:bg>
+    <p:spTree>
+      <p:nvGrpSpPr>
+        <p:cNvPr id="1" name=""/>
+        <p:cNvGrpSpPr/>
+        <p:nvPr/>
+      </p:nvGrpSpPr>
+      <p:grpSpPr>
+        <a:xfrm>
+          <a:off x="0" y="0"/>
+          <a:ext cx="0" cy="0"/>
+          <a:chOff x="0" y="0"/>
+          <a:chExt cx="0" cy="0"/>
+        </a:xfrm>
+      </p:grpSpPr>
+      <p:sp>
+        <p:nvSpPr>
+          <p:cNvPr id="30" name="Rectangle 29">
+            <a:extLst>
+              <a:ext uri="{FF2B5EF4-FFF2-40B4-BE49-F238E27FC236}">
+                <a16:creationId xmlns:a16="http://schemas.microsoft.com/office/drawing/2014/main" id="{77580997-46DA-48C1-9929-FE4F5CE96256}"/>
+              </a:ext>
+              <a:ext uri="{C183D7F6-B498-43B3-948B-1728B52AA6E4}">
+                <adec:decorative xmlns:adec="http://schemas.microsoft.com/office/drawing/2017/decorative" val="1"/>
+              </a:ext>
+            </a:extLst>
+          </p:cNvPr>
+          <p:cNvSpPr>
+            <a:spLocks noGrp="1" noRot="1" noChangeAspect="1" noMove="1" noResize="1" noEditPoints="1" noAdjustHandles="1" noChangeArrowheads="1" noChangeShapeType="1" noTextEdit="1"/>
+          </p:cNvSpPr>
+          <p:nvPr>
+            <p:extLst>
+              <p:ext uri="{386F3935-93C4-4BCD-93E2-E3B085C9AB24}">
+                <p16:designElem xmlns:p16="http://schemas.microsoft.com/office/powerpoint/2015/main" val="1"/>
+              </p:ext>
+            </p:extLst>
+          </p:nvPr>
+        </p:nvSpPr>
+        <p:spPr>
+          <a:xfrm>
+            <a:off x="0" y="-2184"/>
+            <a:ext cx="12192000" cy="6858000"/>
+          </a:xfrm>
+          <a:prstGeom prst="rect">
+            <a:avLst/>
+          </a:prstGeom>
+          <a:ln>
+            <a:noFill/>
+          </a:ln>
+        </p:spPr>
+        <p:style>
+          <a:lnRef idx="2">
+            <a:schemeClr val="accent1">
+              <a:shade val="50000"/>
+            </a:schemeClr>
+          </a:lnRef>
+          <a:fillRef idx="1003">
+            <a:schemeClr val="lt2"/>
+          </a:fillRef>
+          <a:effectRef idx="0">
+            <a:schemeClr val="accent1"/>
+          </a:effectRef>
+          <a:fontRef idx="minor">
+            <a:schemeClr val="lt1"/>
+          </a:fontRef>
+        </p:style>
+        <p:txBody>
+          <a:bodyPr rtlCol="0" anchor="ctr"/>
+          <a:lstStyle/>
+          <a:p>
+            <a:pPr algn="ctr"/>
+            <a:endParaRPr lang="en-US"/>
+          </a:p>
+        </p:txBody>
+      </p:sp>
+      <p:pic>
+        <p:nvPicPr>
+          <p:cNvPr id="32" name="Picture 31">
+            <a:extLst>
+              <a:ext uri="{FF2B5EF4-FFF2-40B4-BE49-F238E27FC236}">
+                <a16:creationId xmlns:a16="http://schemas.microsoft.com/office/drawing/2014/main" id="{93F92867-10AA-410C-8AD1-2D2DBFE3FA0B}"/>
+              </a:ext>
+              <a:ext uri="{C183D7F6-B498-43B3-948B-1728B52AA6E4}">
+                <adec:decorative xmlns:adec="http://schemas.microsoft.com/office/drawing/2017/decorative" val="1"/>
+              </a:ext>
+            </a:extLst>
+          </p:cNvPr>
+          <p:cNvPicPr>
+            <a:picLocks noGrp="1" noRot="1" noChangeAspect="1" noMove="1" noResize="1" noEditPoints="1" noAdjustHandles="1" noChangeArrowheads="1" noChangeShapeType="1" noCrop="1"/>
+          </p:cNvPicPr>
+          <p:nvPr>
+            <p:extLst>
+              <p:ext uri="{386F3935-93C4-4BCD-93E2-E3B085C9AB24}">
+                <p16:designElem xmlns:p16="http://schemas.microsoft.com/office/powerpoint/2015/main" val="1"/>
+              </p:ext>
+            </p:extLst>
+          </p:nvPr>
+        </p:nvPicPr>
+        <p:blipFill>
+          <a:blip r:embed="rId2">
+            <a:extLst>
+              <a:ext uri="{28A0092B-C50C-407E-A947-70E740481C1C}">
+                <a14:useLocalDpi xmlns:a14="http://schemas.microsoft.com/office/drawing/2010/main" val="0"/>
+              </a:ext>
+            </a:extLst>
+          </a:blip>
+          <a:stretch>
+            <a:fillRect/>
+          </a:stretch>
+        </p:blipFill>
+        <p:spPr>
+          <a:xfrm>
+            <a:off x="0" y="0"/>
+            <a:ext cx="12188825" cy="6856214"/>
+          </a:xfrm>
+          <a:prstGeom prst="rect">
+            <a:avLst/>
+          </a:prstGeom>
+        </p:spPr>
+      </p:pic>
+      <p:sp>
+        <p:nvSpPr>
+          <p:cNvPr id="2" name="عنوان 1">
+            <a:extLst>
+              <a:ext uri="{FF2B5EF4-FFF2-40B4-BE49-F238E27FC236}">
+                <a16:creationId xmlns:a16="http://schemas.microsoft.com/office/drawing/2014/main" id="{D508FDC5-CD59-92E1-BD2C-C84EA23AC5F7}"/>
+              </a:ext>
+            </a:extLst>
+          </p:cNvPr>
+          <p:cNvSpPr>
+            <a:spLocks noGrp="1"/>
+          </p:cNvSpPr>
+          <p:nvPr>
+            <p:ph type="title"/>
+          </p:nvPr>
+        </p:nvSpPr>
+        <p:spPr>
+          <a:xfrm>
+            <a:off x="8119870" y="639097"/>
+            <a:ext cx="3462530" cy="5575439"/>
+          </a:xfrm>
+        </p:spPr>
+        <p:txBody>
+          <a:bodyPr>
+            <a:normAutofit/>
+          </a:bodyPr>
+          <a:lstStyle/>
+          <a:p>
+            <a:pPr algn="ctr">
+              <a:lnSpc>
+                <a:spcPct val="90000"/>
+              </a:lnSpc>
+            </a:pPr>
+            <a:r>
+              <a:rPr lang="ar-SA" sz="2000" dirty="0">
+                <a:solidFill>
+                  <a:srgbClr val="FFFFFF"/>
+                </a:solidFill>
+              </a:rPr>
+              <a:t>نلاحظ أن أكثر مستخدمين التطبيق من الفئة العمرية ما بين ٣٠ إلى ٣٩ سنة لكِلا العامين.</a:t>
+            </a:r>
+            <a:br>
+              <a:rPr lang="ar-SA" sz="2000" dirty="0">
+                <a:solidFill>
+                  <a:srgbClr val="FFFFFF"/>
+                </a:solidFill>
+              </a:rPr>
+            </a:br>
+            <a:r>
+              <a:rPr lang="ar-SA" sz="2000" dirty="0">
+                <a:solidFill>
+                  <a:srgbClr val="FFFFFF"/>
+                </a:solidFill>
+              </a:rPr>
+              <a:t>وفي عام ١٤٤٤هـ عدد المستخدمين من هذه الفئة العمرية كان أعلى بكثير من عام ١٤٤٣هـ.</a:t>
+            </a:r>
+            <a:br>
+              <a:rPr lang="ar-SA" sz="2000" dirty="0">
+                <a:solidFill>
+                  <a:srgbClr val="FFFFFF"/>
+                </a:solidFill>
+              </a:rPr>
+            </a:br>
+            <a:r>
+              <a:rPr lang="ar-SA" sz="2000" dirty="0">
+                <a:solidFill>
+                  <a:srgbClr val="FFFFFF"/>
+                </a:solidFill>
+              </a:rPr>
+              <a:t>حيث ارتفع عدد </a:t>
+            </a:r>
+          </a:p>
+        </p:txBody>
+      </p:sp>
+      <p:sp useBgFill="1">
+        <p:nvSpPr>
+          <p:cNvPr id="34" name="Rounded Rectangle 3">
             <a:extLst>
               <a:ext uri="{FF2B5EF4-FFF2-40B4-BE49-F238E27FC236}">
                 <a16:creationId xmlns:a16="http://schemas.microsoft.com/office/drawing/2014/main" id="{80A7F0DD-3DB5-48D0-A338-52932ECF5681}"/>
@@ -20127,10 +21824,10 @@
       </p:sp>
       <p:graphicFrame>
         <p:nvGraphicFramePr>
-          <p:cNvPr id="21" name="مخطط 5">
+          <p:cNvPr id="27" name="مخطط 8">
             <a:extLst>
               <a:ext uri="{FF2B5EF4-FFF2-40B4-BE49-F238E27FC236}">
-                <a16:creationId xmlns:a16="http://schemas.microsoft.com/office/drawing/2014/main" id="{BE3202DF-65A0-8C9F-2DFB-4B92B0E820E5}"/>
+                <a16:creationId xmlns:a16="http://schemas.microsoft.com/office/drawing/2014/main" id="{A3067101-10AC-617D-656A-910887A08C0E}"/>
               </a:ext>
             </a:extLst>
           </p:cNvPr>
@@ -20141,14 +21838,14 @@
             <p:ph idx="1"/>
             <p:extLst>
               <p:ext uri="{D42A27DB-BD31-4B8C-83A1-F6EECF244321}">
-                <p14:modId xmlns:p14="http://schemas.microsoft.com/office/powerpoint/2010/main" val="2474932201"/>
+                <p14:modId xmlns:p14="http://schemas.microsoft.com/office/powerpoint/2010/main" val="3134927662"/>
               </p:ext>
             </p:extLst>
           </p:nvPr>
         </p:nvGraphicFramePr>
         <p:xfrm>
-          <a:off x="1286934" y="1282565"/>
-          <a:ext cx="5604255" cy="4334464"/>
+          <a:off x="650296" y="1001486"/>
+          <a:ext cx="6881184" cy="4844143"/>
         </p:xfrm>
         <a:graphic>
           <a:graphicData uri="http://schemas.openxmlformats.org/drawingml/2006/chart">
@@ -20159,7 +21856,7 @@
     </p:spTree>
     <p:extLst>
       <p:ext uri="{BB962C8B-B14F-4D97-AF65-F5344CB8AC3E}">
-        <p14:creationId xmlns:p14="http://schemas.microsoft.com/office/powerpoint/2010/main" val="3964188148"/>
+        <p14:creationId xmlns:p14="http://schemas.microsoft.com/office/powerpoint/2010/main" val="1402457303"/>
       </p:ext>
     </p:extLst>
   </p:cSld>
@@ -20194,12 +21891,12 @@
           <a:chExt cx="0" cy="0"/>
         </a:xfrm>
       </p:grpSpPr>
-      <p:sp>
+      <p:sp useBgFill="1">
         <p:nvSpPr>
           <p:cNvPr id="10" name="Rectangle 9">
             <a:extLst>
               <a:ext uri="{FF2B5EF4-FFF2-40B4-BE49-F238E27FC236}">
-                <a16:creationId xmlns:a16="http://schemas.microsoft.com/office/drawing/2014/main" id="{77580997-46DA-48C1-9929-FE4F5CE96256}"/>
+                <a16:creationId xmlns:a16="http://schemas.microsoft.com/office/drawing/2014/main" id="{CFF5BED3-4EE4-425F-A016-C272586B88E5}"/>
               </a:ext>
               <a:ext uri="{C183D7F6-B498-43B3-948B-1728B52AA6E4}">
                 <adec:decorative xmlns:adec="http://schemas.microsoft.com/office/drawing/2017/decorative" val="1"/>
@@ -20219,8 +21916,68 @@
         </p:nvSpPr>
         <p:spPr>
           <a:xfrm>
-            <a:off x="0" y="-2184"/>
+            <a:off x="0" y="0"/>
             <a:ext cx="12192000" cy="6858000"/>
+          </a:xfrm>
+          <a:prstGeom prst="rect">
+            <a:avLst/>
+          </a:prstGeom>
+          <a:ln>
+            <a:noFill/>
+          </a:ln>
+        </p:spPr>
+        <p:style>
+          <a:lnRef idx="2">
+            <a:schemeClr val="accent1">
+              <a:shade val="50000"/>
+            </a:schemeClr>
+          </a:lnRef>
+          <a:fillRef idx="1">
+            <a:schemeClr val="accent1"/>
+          </a:fillRef>
+          <a:effectRef idx="0">
+            <a:schemeClr val="accent1"/>
+          </a:effectRef>
+          <a:fontRef idx="minor">
+            <a:schemeClr val="lt1"/>
+          </a:fontRef>
+        </p:style>
+        <p:txBody>
+          <a:bodyPr rtlCol="0" anchor="ctr"/>
+          <a:lstStyle/>
+          <a:p>
+            <a:pPr algn="ctr"/>
+            <a:endParaRPr lang="en-US" dirty="0"/>
+          </a:p>
+        </p:txBody>
+      </p:sp>
+      <p:sp>
+        <p:nvSpPr>
+          <p:cNvPr id="12" name="Rectangle 11">
+            <a:extLst>
+              <a:ext uri="{FF2B5EF4-FFF2-40B4-BE49-F238E27FC236}">
+                <a16:creationId xmlns:a16="http://schemas.microsoft.com/office/drawing/2014/main" id="{D856B4CA-4519-432C-ABFD-F2AE5D70E09C}"/>
+              </a:ext>
+              <a:ext uri="{C183D7F6-B498-43B3-948B-1728B52AA6E4}">
+                <adec:decorative xmlns:adec="http://schemas.microsoft.com/office/drawing/2017/decorative" val="1"/>
+              </a:ext>
+            </a:extLst>
+          </p:cNvPr>
+          <p:cNvSpPr>
+            <a:spLocks noGrp="1" noRot="1" noChangeAspect="1" noMove="1" noResize="1" noEditPoints="1" noAdjustHandles="1" noChangeArrowheads="1" noChangeShapeType="1" noTextEdit="1"/>
+          </p:cNvSpPr>
+          <p:nvPr>
+            <p:extLst>
+              <p:ext uri="{386F3935-93C4-4BCD-93E2-E3B085C9AB24}">
+                <p16:designElem xmlns:p16="http://schemas.microsoft.com/office/powerpoint/2015/main" val="1"/>
+              </p:ext>
+            </p:extLst>
+          </p:nvPr>
+        </p:nvSpPr>
+        <p:spPr>
+          <a:xfrm>
+            <a:off x="0" y="0"/>
+            <a:ext cx="12188825" cy="2284214"/>
           </a:xfrm>
           <a:prstGeom prst="rect">
             <a:avLst/>
@@ -20254,140 +22011,12 @@
           </a:p>
         </p:txBody>
       </p:sp>
-      <p:pic>
-        <p:nvPicPr>
-          <p:cNvPr id="12" name="Picture 11">
+      <p:sp>
+        <p:nvSpPr>
+          <p:cNvPr id="14" name="Rectangle 13">
             <a:extLst>
               <a:ext uri="{FF2B5EF4-FFF2-40B4-BE49-F238E27FC236}">
-                <a16:creationId xmlns:a16="http://schemas.microsoft.com/office/drawing/2014/main" id="{93F92867-10AA-410C-8AD1-2D2DBFE3FA0B}"/>
-              </a:ext>
-              <a:ext uri="{C183D7F6-B498-43B3-948B-1728B52AA6E4}">
-                <adec:decorative xmlns:adec="http://schemas.microsoft.com/office/drawing/2017/decorative" val="1"/>
-              </a:ext>
-            </a:extLst>
-          </p:cNvPr>
-          <p:cNvPicPr>
-            <a:picLocks noGrp="1" noRot="1" noChangeAspect="1" noMove="1" noResize="1" noEditPoints="1" noAdjustHandles="1" noChangeArrowheads="1" noChangeShapeType="1" noCrop="1"/>
-          </p:cNvPicPr>
-          <p:nvPr>
-            <p:extLst>
-              <p:ext uri="{386F3935-93C4-4BCD-93E2-E3B085C9AB24}">
-                <p16:designElem xmlns:p16="http://schemas.microsoft.com/office/powerpoint/2015/main" val="1"/>
-              </p:ext>
-            </p:extLst>
-          </p:nvPr>
-        </p:nvPicPr>
-        <p:blipFill>
-          <a:blip r:embed="rId2">
-            <a:extLst>
-              <a:ext uri="{28A0092B-C50C-407E-A947-70E740481C1C}">
-                <a14:useLocalDpi xmlns:a14="http://schemas.microsoft.com/office/drawing/2010/main" val="0"/>
-              </a:ext>
-            </a:extLst>
-          </a:blip>
-          <a:stretch>
-            <a:fillRect/>
-          </a:stretch>
-        </p:blipFill>
-        <p:spPr>
-          <a:xfrm>
-            <a:off x="0" y="0"/>
-            <a:ext cx="12188825" cy="6856214"/>
-          </a:xfrm>
-          <a:prstGeom prst="rect">
-            <a:avLst/>
-          </a:prstGeom>
-        </p:spPr>
-      </p:pic>
-      <p:sp>
-        <p:nvSpPr>
-          <p:cNvPr id="2" name="عنوان 1">
-            <a:extLst>
-              <a:ext uri="{FF2B5EF4-FFF2-40B4-BE49-F238E27FC236}">
-                <a16:creationId xmlns:a16="http://schemas.microsoft.com/office/drawing/2014/main" id="{D508FDC5-CD59-92E1-BD2C-C84EA23AC5F7}"/>
-              </a:ext>
-            </a:extLst>
-          </p:cNvPr>
-          <p:cNvSpPr>
-            <a:spLocks noGrp="1"/>
-          </p:cNvSpPr>
-          <p:nvPr>
-            <p:ph type="title"/>
-          </p:nvPr>
-        </p:nvSpPr>
-        <p:spPr>
-          <a:xfrm>
-            <a:off x="8119870" y="639097"/>
-            <a:ext cx="3462530" cy="5575439"/>
-          </a:xfrm>
-        </p:spPr>
-        <p:txBody>
-          <a:bodyPr>
-            <a:noAutofit/>
-          </a:bodyPr>
-          <a:lstStyle/>
-          <a:p>
-            <a:pPr algn="ctr"/>
-            <a:r>
-              <a:rPr lang="ar-SA" sz="2400" dirty="0">
-                <a:solidFill>
-                  <a:srgbClr val="FFFFFF"/>
-                </a:solidFill>
-              </a:rPr>
-              <a:t>نلاحظ أن أكثر مستخدمين التطبيق من الفئة العمرية ما بين ٣٠ إلى ٣٩ سنة لكِلا العامين.</a:t>
-            </a:r>
-            <a:br>
-              <a:rPr lang="ar-SA" sz="2400" dirty="0">
-                <a:solidFill>
-                  <a:srgbClr val="FFFFFF"/>
-                </a:solidFill>
-              </a:rPr>
-            </a:br>
-            <a:r>
-              <a:rPr lang="ar-SA" sz="2400" dirty="0">
-                <a:solidFill>
-                  <a:srgbClr val="FFFFFF"/>
-                </a:solidFill>
-              </a:rPr>
-              <a:t>وفي عام ١٤٤٤هـ عدد المستخدمين من هذه الفئة العمرية كان أعلى بكثير من عام ١٤٤٣هـ.</a:t>
-            </a:r>
-            <a:br>
-              <a:rPr lang="ar-SA" sz="2400" dirty="0">
-                <a:solidFill>
-                  <a:srgbClr val="FFFFFF"/>
-                </a:solidFill>
-              </a:rPr>
-            </a:br>
-            <a:r>
-              <a:rPr lang="ar-SA" sz="2400" dirty="0">
-                <a:solidFill>
-                  <a:srgbClr val="FFFFFF"/>
-                </a:solidFill>
-              </a:rPr>
-              <a:t>حيث </a:t>
-            </a:r>
-            <a:r>
-              <a:rPr lang="ar-SA" sz="2400">
-                <a:solidFill>
-                  <a:srgbClr val="FFFFFF"/>
-                </a:solidFill>
-              </a:rPr>
-              <a:t>ارتفع عدد </a:t>
-            </a:r>
-            <a:endParaRPr lang="ar-SA" sz="2400" dirty="0">
-              <a:solidFill>
-                <a:srgbClr val="FFFFFF"/>
-              </a:solidFill>
-            </a:endParaRPr>
-          </a:p>
-        </p:txBody>
-      </p:sp>
-      <p:sp useBgFill="1">
-        <p:nvSpPr>
-          <p:cNvPr id="14" name="Rounded Rectangle 3">
-            <a:extLst>
-              <a:ext uri="{FF2B5EF4-FFF2-40B4-BE49-F238E27FC236}">
-                <a16:creationId xmlns:a16="http://schemas.microsoft.com/office/drawing/2014/main" id="{80A7F0DD-3DB5-48D0-A338-52932ECF5681}"/>
+                <a16:creationId xmlns:a16="http://schemas.microsoft.com/office/drawing/2014/main" id="{61D03B64-A2F8-4473-8457-9A6A36B67B89}"/>
               </a:ext>
               <a:ext uri="{C183D7F6-B498-43B3-948B-1728B52AA6E4}">
                 <adec:decorative xmlns:adec="http://schemas.microsoft.com/office/drawing/2017/decorative" val="1"/>
@@ -20407,61 +22036,122 @@
         </p:nvSpPr>
         <p:spPr>
           <a:xfrm>
-            <a:off x="653471" y="639097"/>
-            <a:ext cx="6881185" cy="5575439"/>
+            <a:off x="0" y="0"/>
+            <a:ext cx="12192000" cy="2284214"/>
           </a:xfrm>
-          <a:prstGeom prst="roundRect">
-            <a:avLst>
-              <a:gd name="adj" fmla="val 5310"/>
-            </a:avLst>
+          <a:prstGeom prst="rect">
+            <a:avLst/>
           </a:prstGeom>
-          <a:ln w="50800" cap="sq" cmpd="dbl">
-            <a:gradFill flip="none" rotWithShape="1">
-              <a:gsLst>
-                <a:gs pos="0">
-                  <a:srgbClr val="FFFFFF"/>
-                </a:gs>
-                <a:gs pos="100000">
-                  <a:schemeClr val="tx1">
-                    <a:alpha val="0"/>
-                  </a:schemeClr>
-                </a:gs>
-              </a:gsLst>
-              <a:path path="circle">
-                <a:fillToRect l="50000" t="50000" r="50000" b="50000"/>
-              </a:path>
-              <a:tileRect/>
-            </a:gradFill>
-            <a:miter lim="800000"/>
+          <a:blipFill dpi="0" rotWithShape="1">
+            <a:blip r:embed="rId2"/>
+            <a:srcRect/>
+            <a:tile tx="0" ty="0" sx="100000" sy="100000" flip="none" algn="tl"/>
+          </a:blipFill>
+          <a:ln>
+            <a:noFill/>
           </a:ln>
-          <a:effectLst>
-            <a:outerShdw blurRad="254000" algn="tl" rotWithShape="0">
-              <a:srgbClr val="000000">
-                <a:alpha val="43000"/>
-              </a:srgbClr>
-            </a:outerShdw>
-          </a:effectLst>
+        </p:spPr>
+        <p:style>
+          <a:lnRef idx="2">
+            <a:schemeClr val="accent1">
+              <a:shade val="50000"/>
+            </a:schemeClr>
+          </a:lnRef>
+          <a:fillRef idx="1003">
+            <a:schemeClr val="lt1"/>
+          </a:fillRef>
+          <a:effectRef idx="0">
+            <a:schemeClr val="accent1"/>
+          </a:effectRef>
+          <a:fontRef idx="minor">
+            <a:schemeClr val="lt1"/>
+          </a:fontRef>
+        </p:style>
+        <p:txBody>
+          <a:bodyPr rtlCol="0" anchor="ctr"/>
+          <a:lstStyle/>
+          <a:p>
+            <a:pPr algn="ctr"/>
+            <a:endParaRPr lang="en-US"/>
+          </a:p>
+        </p:txBody>
+      </p:sp>
+      <p:pic>
+        <p:nvPicPr>
+          <p:cNvPr id="16" name="Picture 15">
+            <a:extLst>
+              <a:ext uri="{FF2B5EF4-FFF2-40B4-BE49-F238E27FC236}">
+                <a16:creationId xmlns:a16="http://schemas.microsoft.com/office/drawing/2014/main" id="{01C3CE7E-C09F-4DAB-A9B8-00CB40334B33}"/>
+              </a:ext>
+              <a:ext uri="{C183D7F6-B498-43B3-948B-1728B52AA6E4}">
+                <adec:decorative xmlns:adec="http://schemas.microsoft.com/office/drawing/2017/decorative" val="1"/>
+              </a:ext>
+            </a:extLst>
+          </p:cNvPr>
+          <p:cNvPicPr>
+            <a:picLocks noGrp="1" noRot="1" noChangeAspect="1" noMove="1" noResize="1" noEditPoints="1" noAdjustHandles="1" noChangeArrowheads="1" noChangeShapeType="1" noCrop="1"/>
+          </p:cNvPicPr>
+          <p:nvPr>
+            <p:extLst>
+              <p:ext uri="{386F3935-93C4-4BCD-93E2-E3B085C9AB24}">
+                <p16:designElem xmlns:p16="http://schemas.microsoft.com/office/powerpoint/2015/main" val="1"/>
+              </p:ext>
+            </p:extLst>
+          </p:nvPr>
+        </p:nvPicPr>
+        <p:blipFill rotWithShape="1">
+          <a:blip r:embed="rId3">
+            <a:extLst>
+              <a:ext uri="{28A0092B-C50C-407E-A947-70E740481C1C}">
+                <a14:useLocalDpi xmlns:a14="http://schemas.microsoft.com/office/drawing/2010/main" val="0"/>
+              </a:ext>
+            </a:extLst>
+          </a:blip>
+          <a:srcRect b="66684"/>
+          <a:stretch/>
+        </p:blipFill>
+        <p:spPr>
+          <a:xfrm>
+            <a:off x="-3175" y="0"/>
+            <a:ext cx="12188825" cy="2284214"/>
+          </a:xfrm>
+          <a:prstGeom prst="rect">
+            <a:avLst/>
+          </a:prstGeom>
+        </p:spPr>
+      </p:pic>
+      <p:sp>
+        <p:nvSpPr>
+          <p:cNvPr id="2" name="عنوان 1">
+            <a:extLst>
+              <a:ext uri="{FF2B5EF4-FFF2-40B4-BE49-F238E27FC236}">
+                <a16:creationId xmlns:a16="http://schemas.microsoft.com/office/drawing/2014/main" id="{117AB0E3-ADFB-3A8C-29A9-FF04AB265ADE}"/>
+              </a:ext>
+            </a:extLst>
+          </p:cNvPr>
+          <p:cNvSpPr>
+            <a:spLocks noGrp="1"/>
+          </p:cNvSpPr>
+          <p:nvPr>
+            <p:ph type="title"/>
+          </p:nvPr>
+        </p:nvSpPr>
+        <p:spPr>
+          <a:xfrm>
+            <a:off x="1028700" y="653142"/>
+            <a:ext cx="10131425" cy="1219200"/>
+          </a:xfrm>
         </p:spPr>
         <p:txBody>
-          <a:bodyPr vert="horz" lIns="91440" tIns="45720" rIns="91440" bIns="45720" rtlCol="0" anchor="t">
+          <a:bodyPr>
             <a:normAutofit/>
           </a:bodyPr>
           <a:lstStyle/>
           <a:p>
-            <a:pPr algn="ctr" defTabSz="457200">
-              <a:spcAft>
-                <a:spcPts val="1000"/>
-              </a:spcAft>
-              <a:buClr>
-                <a:schemeClr val="tx1"/>
-              </a:buClr>
-              <a:buSzPct val="100000"/>
-              <a:buFont typeface="Arial"/>
-              <a:buNone/>
-            </a:pPr>
-            <a:endParaRPr lang="en-US" sz="1600" cap="all">
+            <a:pPr algn="ctr"/>
+            <a:endParaRPr lang="ar-SA" sz="4400" dirty="0">
               <a:solidFill>
-                <a:schemeClr val="tx1"/>
+                <a:srgbClr val="FFFFFF"/>
               </a:solidFill>
             </a:endParaRPr>
           </a:p>
@@ -20472,7 +22162,7 @@
           <p:cNvPr id="7" name="مخطط 3">
             <a:extLst>
               <a:ext uri="{FF2B5EF4-FFF2-40B4-BE49-F238E27FC236}">
-                <a16:creationId xmlns:a16="http://schemas.microsoft.com/office/drawing/2014/main" id="{A3067101-10AC-617D-656A-910887A08C0E}"/>
+                <a16:creationId xmlns:a16="http://schemas.microsoft.com/office/drawing/2014/main" id="{72B0306A-4BD4-2CCE-470F-3E13E02A6D88}"/>
               </a:ext>
             </a:extLst>
           </p:cNvPr>
@@ -20483,25 +22173,25 @@
             <p:ph idx="1"/>
             <p:extLst>
               <p:ext uri="{D42A27DB-BD31-4B8C-83A1-F6EECF244321}">
-                <p14:modId xmlns:p14="http://schemas.microsoft.com/office/powerpoint/2010/main" val="2235025161"/>
+                <p14:modId xmlns:p14="http://schemas.microsoft.com/office/powerpoint/2010/main" val="3049993324"/>
               </p:ext>
             </p:extLst>
           </p:nvPr>
         </p:nvGraphicFramePr>
         <p:xfrm>
-          <a:off x="890016" y="1282564"/>
-          <a:ext cx="6327648" cy="4484251"/>
+          <a:off x="1028700" y="2743200"/>
+          <a:ext cx="10131425" cy="3048000"/>
         </p:xfrm>
         <a:graphic>
           <a:graphicData uri="http://schemas.openxmlformats.org/drawingml/2006/chart">
-            <c:chart xmlns:c="http://schemas.openxmlformats.org/drawingml/2006/chart" xmlns:r="http://schemas.openxmlformats.org/officeDocument/2006/relationships" r:id="rId3"/>
+            <c:chart xmlns:c="http://schemas.openxmlformats.org/drawingml/2006/chart" xmlns:r="http://schemas.openxmlformats.org/officeDocument/2006/relationships" r:id="rId4"/>
           </a:graphicData>
         </a:graphic>
       </p:graphicFrame>
     </p:spTree>
     <p:extLst>
       <p:ext uri="{BB962C8B-B14F-4D97-AF65-F5344CB8AC3E}">
-        <p14:creationId xmlns:p14="http://schemas.microsoft.com/office/powerpoint/2010/main" val="1402457303"/>
+        <p14:creationId xmlns:p14="http://schemas.microsoft.com/office/powerpoint/2010/main" val="52289250"/>
       </p:ext>
     </p:extLst>
   </p:cSld>
